--- a/pptx_engine/templates/bull-bear/four-col-equation-dark.pptx
+++ b/pptx_engine/templates/bull-bear/four-col-equation-dark.pptx
@@ -3088,40 +3088,16 @@
         <p:nvPr/>
       </p:nvGrpSpPr>
       <p:grpSpPr/>
-      <p:pic>
-        <p:nvPicPr>
-          <p:cNvPr id="2" name="Picture 1" descr="slide_09.png"/>
-          <p:cNvPicPr>
-            <a:picLocks noChangeAspect="1"/>
-          </p:cNvPicPr>
-          <p:nvPr/>
-        </p:nvPicPr>
-        <p:blipFill>
-          <a:blip r:embed="rId2"/>
-          <a:stretch>
-            <a:fillRect/>
-          </a:stretch>
-        </p:blipFill>
-        <p:spPr>
-          <a:xfrm>
-            <a:off x="0" y="0"/>
-            <a:ext cx="24384030" cy="13716000"/>
-          </a:xfrm>
-          <a:prstGeom prst="rect">
-            <a:avLst/>
-          </a:prstGeom>
-        </p:spPr>
-      </p:pic>
-      <p:sp>
-        <p:nvSpPr>
-          <p:cNvPr id="3" name="breadcrumb"/>
+      <p:sp>
+        <p:nvSpPr>
+          <p:cNvPr id="2" name="TextBox 1"/>
           <p:cNvSpPr txBox="1"/>
           <p:nvPr/>
         </p:nvSpPr>
         <p:spPr>
           <a:xfrm>
-            <a:off x="320040" y="164592"/>
-            <a:ext cx="2743200" cy="292608"/>
+            <a:off x="8817742" y="12544836"/>
+            <a:ext cx="6748454" cy="254020"/>
           </a:xfrm>
           <a:prstGeom prst="rect">
             <a:avLst/>
@@ -3134,29 +3110,29 @@
           </a:bodyPr>
           <a:lstStyle/>
           <a:p>
-            <a:pPr algn="l"/>
-            <a:r>
-              <a:rPr sz="1100" b="0">
+            <a:pPr algn="ctr"/>
+            <a:r>
+              <a:rPr sz="2000" b="0" i="0">
                 <a:solidFill>
                   <a:srgbClr val="FFFFFF"/>
                 </a:solidFill>
-                <a:latin typeface="Rajdhani"/>
+                <a:latin typeface="Quicksand (TT)"/>
               </a:rPr>
-              <a:t>{{breadcrumb}}</a:t>
-            </a:r>
-          </a:p>
-        </p:txBody>
-      </p:sp>
-      <p:sp>
-        <p:nvSpPr>
-          <p:cNvPr id="4" name="slide_title"/>
+              <a:t>Percent invested numbers are for illustrative purposes only</a:t>
+            </a:r>
+          </a:p>
+        </p:txBody>
+      </p:sp>
+      <p:sp>
+        <p:nvSpPr>
+          <p:cNvPr id="3" name="TextBox 2"/>
           <p:cNvSpPr txBox="1"/>
           <p:nvPr/>
         </p:nvSpPr>
         <p:spPr>
           <a:xfrm>
-            <a:off x="457200" y="457200"/>
-            <a:ext cx="11247120" cy="594360"/>
+            <a:off x="5711891" y="4173138"/>
+            <a:ext cx="12960248" cy="381030"/>
           </a:xfrm>
           <a:prstGeom prst="rect">
             <a:avLst/>
@@ -3171,27 +3147,27 @@
           <a:p>
             <a:pPr algn="ctr"/>
             <a:r>
-              <a:rPr sz="3600" b="1">
-                <a:solidFill>
-                  <a:srgbClr val="FFFFFF"/>
-                </a:solidFill>
-                <a:latin typeface="Rajdhani"/>
+              <a:rPr sz="3000" b="0" i="0">
+                <a:solidFill>
+                  <a:srgbClr val="FEC00F"/>
+                </a:solidFill>
+                <a:latin typeface="Quicksand (TT)"/>
               </a:rPr>
-              <a:t>{{slide_title}}</a:t>
-            </a:r>
-          </a:p>
-        </p:txBody>
-      </p:sp>
-      <p:sp>
-        <p:nvSpPr>
-          <p:cNvPr id="5" name="subtitle"/>
+              <a:t>Long-Term Positioning with Short-Term Opportunity Capture</a:t>
+            </a:r>
+          </a:p>
+        </p:txBody>
+      </p:sp>
+      <p:sp>
+        <p:nvSpPr>
+          <p:cNvPr id="4" name="TextBox 3"/>
           <p:cNvSpPr txBox="1"/>
           <p:nvPr/>
         </p:nvSpPr>
         <p:spPr>
           <a:xfrm>
-            <a:off x="457200" y="1097280"/>
-            <a:ext cx="11247120" cy="347472"/>
+            <a:off x="19192067" y="8606972"/>
+            <a:ext cx="3078053" cy="1511320"/>
           </a:xfrm>
           <a:prstGeom prst="rect">
             <a:avLst/>
@@ -3206,27 +3182,51 @@
           <a:p>
             <a:pPr algn="ctr"/>
             <a:r>
-              <a:rPr sz="1500" b="0">
-                <a:solidFill>
-                  <a:srgbClr val="FEC00F"/>
-                </a:solidFill>
-                <a:latin typeface="Quicksand"/>
+              <a:rPr sz="2600" b="0" i="0">
+                <a:solidFill>
+                  <a:srgbClr val="FFFFFF"/>
+                </a:solidFill>
+                <a:latin typeface="Quicksand (TT)"/>
               </a:rPr>
-              <a:t>{{subtitle}}</a:t>
-            </a:r>
-          </a:p>
-        </p:txBody>
-      </p:sp>
-      <p:sp>
-        <p:nvSpPr>
-          <p:cNvPr id="6" name="col1_header"/>
+              <a:t>Keeping combined</a:t>
+            </a:r>
+          </a:p>
+          <a:p>
+            <a:pPr algn="ctr"/>
+            <a:r>
+              <a:rPr sz="2600" b="0" i="0">
+                <a:solidFill>
+                  <a:srgbClr val="FFFFFF"/>
+                </a:solidFill>
+                <a:latin typeface="Quicksand (TT)"/>
+              </a:rPr>
+              <a:t>system exposure to</a:t>
+            </a:r>
+          </a:p>
+          <a:p>
+            <a:pPr algn="ctr"/>
+            <a:r>
+              <a:rPr sz="2600" b="1" i="0">
+                <a:solidFill>
+                  <a:srgbClr val="FFFFFF"/>
+                </a:solidFill>
+                <a:latin typeface="Quicksand (TT)"/>
+              </a:rPr>
+              <a:t>62% can help reduce risk.</a:t>
+            </a:r>
+          </a:p>
+        </p:txBody>
+      </p:sp>
+      <p:sp>
+        <p:nvSpPr>
+          <p:cNvPr id="5" name="TextBox 4"/>
           <p:cNvSpPr txBox="1"/>
           <p:nvPr/>
         </p:nvSpPr>
         <p:spPr>
           <a:xfrm>
-            <a:off x="228600" y="1828800"/>
-            <a:ext cx="2651760" cy="347472"/>
+            <a:off x="19395795" y="6345936"/>
+            <a:ext cx="2670413" cy="381030"/>
           </a:xfrm>
           <a:prstGeom prst="rect">
             <a:avLst/>
@@ -3241,27 +3241,113 @@
           <a:p>
             <a:pPr algn="ctr"/>
             <a:r>
-              <a:rPr sz="1400" b="1">
+              <a:rPr sz="3000" b="0" i="0">
                 <a:solidFill>
                   <a:srgbClr val="212121"/>
                 </a:solidFill>
-                <a:latin typeface="Quicksand"/>
+                <a:latin typeface="Quicksand (TT)"/>
               </a:rPr>
-              <a:t>{{col1_header}}</a:t>
-            </a:r>
-          </a:p>
-        </p:txBody>
-      </p:sp>
-      <p:sp>
-        <p:nvSpPr>
-          <p:cNvPr id="7" name="col1_body"/>
+              <a:t>Composite</a:t>
+            </a:r>
+          </a:p>
+        </p:txBody>
+      </p:sp>
+      <p:sp>
+        <p:nvSpPr>
+          <p:cNvPr id="6" name="Rounded Rectangle 5"/>
+          <p:cNvSpPr/>
+          <p:nvPr/>
+        </p:nvSpPr>
+        <p:spPr>
+          <a:xfrm>
+            <a:off x="18815334" y="6120170"/>
+            <a:ext cx="3831427" cy="922538"/>
+          </a:xfrm>
+          <a:prstGeom prst="roundRect">
+            <a:avLst/>
+          </a:prstGeom>
+          <a:solidFill>
+            <a:srgbClr val="FEC00F"/>
+          </a:solidFill>
+          <a:ln>
+            <a:noFill/>
+          </a:ln>
+        </p:spPr>
+        <p:style>
+          <a:lnRef idx="1">
+            <a:schemeClr val="accent1"/>
+          </a:lnRef>
+          <a:fillRef idx="3">
+            <a:schemeClr val="accent1"/>
+          </a:fillRef>
+          <a:effectRef idx="2">
+            <a:schemeClr val="accent1"/>
+          </a:effectRef>
+          <a:fontRef idx="minor">
+            <a:schemeClr val="lt1"/>
+          </a:fontRef>
+        </p:style>
+        <p:txBody>
+          <a:bodyPr rtlCol="0" anchor="ctr"/>
+          <a:lstStyle/>
+          <a:p>
+            <a:pPr algn="ctr"/>
+          </a:p>
+        </p:txBody>
+      </p:sp>
+      <p:sp>
+        <p:nvSpPr>
+          <p:cNvPr id="7" name="Rounded Rectangle 6"/>
+          <p:cNvSpPr/>
+          <p:nvPr/>
+        </p:nvSpPr>
+        <p:spPr>
+          <a:xfrm>
+            <a:off x="18789639" y="7590342"/>
+            <a:ext cx="3882725" cy="3544397"/>
+          </a:xfrm>
+          <a:prstGeom prst="roundRect">
+            <a:avLst/>
+          </a:prstGeom>
+          <a:solidFill>
+            <a:srgbClr val="FEC00F"/>
+          </a:solidFill>
+          <a:ln>
+            <a:noFill/>
+          </a:ln>
+        </p:spPr>
+        <p:style>
+          <a:lnRef idx="1">
+            <a:schemeClr val="accent1"/>
+          </a:lnRef>
+          <a:fillRef idx="3">
+            <a:schemeClr val="accent1"/>
+          </a:fillRef>
+          <a:effectRef idx="2">
+            <a:schemeClr val="accent1"/>
+          </a:effectRef>
+          <a:fontRef idx="minor">
+            <a:schemeClr val="lt1"/>
+          </a:fontRef>
+        </p:style>
+        <p:txBody>
+          <a:bodyPr rtlCol="0" anchor="ctr"/>
+          <a:lstStyle/>
+          <a:p>
+            <a:pPr algn="ctr"/>
+          </a:p>
+        </p:txBody>
+      </p:sp>
+      <p:sp>
+        <p:nvSpPr>
+          <p:cNvPr id="8" name="TextBox 7"/>
           <p:cNvSpPr txBox="1"/>
           <p:nvPr/>
         </p:nvSpPr>
         <p:spPr>
           <a:xfrm>
-            <a:off x="228600" y="2331720"/>
-            <a:ext cx="2651760" cy="2103120"/>
+            <a:off x="19192067" y="8606972"/>
+            <a:ext cx="3078053" cy="1511320"/>
           </a:xfrm>
           <a:prstGeom prst="rect">
             <a:avLst/>
@@ -3276,27 +3362,51 @@
           <a:p>
             <a:pPr algn="ctr"/>
             <a:r>
-              <a:rPr sz="1300" b="0">
+              <a:rPr sz="2600" b="0" i="0">
                 <a:solidFill>
                   <a:srgbClr val="FFFFFF"/>
                 </a:solidFill>
-                <a:latin typeface="Quicksand"/>
+                <a:latin typeface="Quicksand (TT)"/>
               </a:rPr>
-              <a:t>{{col1_body}}</a:t>
-            </a:r>
-          </a:p>
-        </p:txBody>
-      </p:sp>
-      <p:sp>
-        <p:nvSpPr>
-          <p:cNvPr id="8" name="col2_header"/>
+              <a:t>Keeping combined</a:t>
+            </a:r>
+          </a:p>
+          <a:p>
+            <a:pPr algn="ctr"/>
+            <a:r>
+              <a:rPr sz="2600" b="0" i="0">
+                <a:solidFill>
+                  <a:srgbClr val="FFFFFF"/>
+                </a:solidFill>
+                <a:latin typeface="Quicksand (TT)"/>
+              </a:rPr>
+              <a:t>system exposure to</a:t>
+            </a:r>
+          </a:p>
+          <a:p>
+            <a:pPr algn="ctr"/>
+            <a:r>
+              <a:rPr sz="2600" b="1" i="0">
+                <a:solidFill>
+                  <a:srgbClr val="FFFFFF"/>
+                </a:solidFill>
+                <a:latin typeface="Quicksand (TT)"/>
+              </a:rPr>
+              <a:t>62% can help reduce risk.</a:t>
+            </a:r>
+          </a:p>
+        </p:txBody>
+      </p:sp>
+      <p:sp>
+        <p:nvSpPr>
+          <p:cNvPr id="9" name="TextBox 8"/>
           <p:cNvSpPr txBox="1"/>
           <p:nvPr/>
         </p:nvSpPr>
         <p:spPr>
           <a:xfrm>
-            <a:off x="3063240" y="1828800"/>
-            <a:ext cx="2651760" cy="347472"/>
+            <a:off x="19395795" y="6345936"/>
+            <a:ext cx="2670413" cy="381030"/>
           </a:xfrm>
           <a:prstGeom prst="rect">
             <a:avLst/>
@@ -3311,27 +3421,113 @@
           <a:p>
             <a:pPr algn="ctr"/>
             <a:r>
-              <a:rPr sz="1400" b="1">
+              <a:rPr sz="3000" b="0" i="0">
                 <a:solidFill>
                   <a:srgbClr val="212121"/>
                 </a:solidFill>
-                <a:latin typeface="Quicksand"/>
+                <a:latin typeface="Quicksand (TT)"/>
               </a:rPr>
-              <a:t>{{col2_header}}</a:t>
-            </a:r>
-          </a:p>
-        </p:txBody>
-      </p:sp>
-      <p:sp>
-        <p:nvSpPr>
-          <p:cNvPr id="9" name="col2_body"/>
+              <a:t>Composite</a:t>
+            </a:r>
+          </a:p>
+        </p:txBody>
+      </p:sp>
+      <p:sp>
+        <p:nvSpPr>
+          <p:cNvPr id="10" name="Rounded Rectangle 9"/>
+          <p:cNvSpPr/>
+          <p:nvPr/>
+        </p:nvSpPr>
+        <p:spPr>
+          <a:xfrm>
+            <a:off x="18815334" y="6120170"/>
+            <a:ext cx="3831427" cy="922538"/>
+          </a:xfrm>
+          <a:prstGeom prst="roundRect">
+            <a:avLst/>
+          </a:prstGeom>
+          <a:solidFill>
+            <a:srgbClr val="FEC00F"/>
+          </a:solidFill>
+          <a:ln>
+            <a:noFill/>
+          </a:ln>
+        </p:spPr>
+        <p:style>
+          <a:lnRef idx="1">
+            <a:schemeClr val="accent1"/>
+          </a:lnRef>
+          <a:fillRef idx="3">
+            <a:schemeClr val="accent1"/>
+          </a:fillRef>
+          <a:effectRef idx="2">
+            <a:schemeClr val="accent1"/>
+          </a:effectRef>
+          <a:fontRef idx="minor">
+            <a:schemeClr val="lt1"/>
+          </a:fontRef>
+        </p:style>
+        <p:txBody>
+          <a:bodyPr rtlCol="0" anchor="ctr"/>
+          <a:lstStyle/>
+          <a:p>
+            <a:pPr algn="ctr"/>
+          </a:p>
+        </p:txBody>
+      </p:sp>
+      <p:sp>
+        <p:nvSpPr>
+          <p:cNvPr id="11" name="Rounded Rectangle 10"/>
+          <p:cNvSpPr/>
+          <p:nvPr/>
+        </p:nvSpPr>
+        <p:spPr>
+          <a:xfrm>
+            <a:off x="18789639" y="7590342"/>
+            <a:ext cx="3882725" cy="3544397"/>
+          </a:xfrm>
+          <a:prstGeom prst="roundRect">
+            <a:avLst/>
+          </a:prstGeom>
+          <a:solidFill>
+            <a:srgbClr val="FEC00F"/>
+          </a:solidFill>
+          <a:ln>
+            <a:noFill/>
+          </a:ln>
+        </p:spPr>
+        <p:style>
+          <a:lnRef idx="1">
+            <a:schemeClr val="accent1"/>
+          </a:lnRef>
+          <a:fillRef idx="3">
+            <a:schemeClr val="accent1"/>
+          </a:fillRef>
+          <a:effectRef idx="2">
+            <a:schemeClr val="accent1"/>
+          </a:effectRef>
+          <a:fontRef idx="minor">
+            <a:schemeClr val="lt1"/>
+          </a:fontRef>
+        </p:style>
+        <p:txBody>
+          <a:bodyPr rtlCol="0" anchor="ctr"/>
+          <a:lstStyle/>
+          <a:p>
+            <a:pPr algn="ctr"/>
+          </a:p>
+        </p:txBody>
+      </p:sp>
+      <p:sp>
+        <p:nvSpPr>
+          <p:cNvPr id="12" name="TextBox 11"/>
           <p:cNvSpPr txBox="1"/>
           <p:nvPr/>
         </p:nvSpPr>
         <p:spPr>
           <a:xfrm>
-            <a:off x="3063240" y="2331720"/>
-            <a:ext cx="2651760" cy="2103120"/>
+            <a:off x="13370539" y="8410102"/>
+            <a:ext cx="3327410" cy="1904969"/>
           </a:xfrm>
           <a:prstGeom prst="rect">
             <a:avLst/>
@@ -3346,27 +3542,51 @@
           <a:p>
             <a:pPr algn="ctr"/>
             <a:r>
-              <a:rPr sz="1300" b="0">
+              <a:rPr sz="2600" b="0" i="0">
                 <a:solidFill>
                   <a:srgbClr val="FFFFFF"/>
                 </a:solidFill>
-                <a:latin typeface="Quicksand"/>
+                <a:latin typeface="Quicksand (TT)"/>
               </a:rPr>
-              <a:t>{{col2_body}}</a:t>
-            </a:r>
-          </a:p>
-        </p:txBody>
-      </p:sp>
-      <p:sp>
-        <p:nvSpPr>
-          <p:cNvPr id="10" name="col3_header"/>
+              <a:t>VIX oversold exposure:</a:t>
+            </a:r>
+          </a:p>
+          <a:p>
+            <a:pPr algn="ctr"/>
+            <a:r>
+              <a:rPr sz="2600" b="1" i="0">
+                <a:solidFill>
+                  <a:srgbClr val="FFFFFF"/>
+                </a:solidFill>
+                <a:latin typeface="Quicksand (TT)"/>
+              </a:rPr>
+              <a:t>Invested 4% </a:t>
+            </a:r>
+          </a:p>
+          <a:p>
+            <a:pPr algn="ctr"/>
+            <a:r>
+              <a:rPr sz="2600" b="0" i="0">
+                <a:solidFill>
+                  <a:srgbClr val="FFFFFF"/>
+                </a:solidFill>
+                <a:latin typeface="Quicksand (TT)"/>
+              </a:rPr>
+              <a:t>of the time</a:t>
+            </a:r>
+          </a:p>
+        </p:txBody>
+      </p:sp>
+      <p:sp>
+        <p:nvSpPr>
+          <p:cNvPr id="13" name="TextBox 12"/>
           <p:cNvSpPr txBox="1"/>
           <p:nvPr/>
         </p:nvSpPr>
         <p:spPr>
           <a:xfrm>
-            <a:off x="5897880" y="1828800"/>
-            <a:ext cx="2651760" cy="347472"/>
+            <a:off x="13562746" y="6345936"/>
+            <a:ext cx="2942813" cy="381030"/>
           </a:xfrm>
           <a:prstGeom prst="rect">
             <a:avLst/>
@@ -3381,27 +3601,113 @@
           <a:p>
             <a:pPr algn="ctr"/>
             <a:r>
-              <a:rPr sz="1400" b="1">
+              <a:rPr sz="3000" b="0" i="0">
                 <a:solidFill>
                   <a:srgbClr val="212121"/>
                 </a:solidFill>
-                <a:latin typeface="Quicksand"/>
+                <a:latin typeface="Quicksand (TT)"/>
               </a:rPr>
-              <a:t>{{col3_header}}</a:t>
-            </a:r>
-          </a:p>
-        </p:txBody>
-      </p:sp>
-      <p:sp>
-        <p:nvSpPr>
-          <p:cNvPr id="11" name="col3_body"/>
+              <a:t>Trigger</a:t>
+            </a:r>
+          </a:p>
+        </p:txBody>
+      </p:sp>
+      <p:sp>
+        <p:nvSpPr>
+          <p:cNvPr id="14" name="Rounded Rectangle 13"/>
+          <p:cNvSpPr/>
+          <p:nvPr/>
+        </p:nvSpPr>
+        <p:spPr>
+          <a:xfrm>
+            <a:off x="13118439" y="6120170"/>
+            <a:ext cx="3831427" cy="922538"/>
+          </a:xfrm>
+          <a:prstGeom prst="roundRect">
+            <a:avLst/>
+          </a:prstGeom>
+          <a:solidFill>
+            <a:srgbClr val="D6E0DE"/>
+          </a:solidFill>
+          <a:ln>
+            <a:noFill/>
+          </a:ln>
+        </p:spPr>
+        <p:style>
+          <a:lnRef idx="1">
+            <a:schemeClr val="accent1"/>
+          </a:lnRef>
+          <a:fillRef idx="3">
+            <a:schemeClr val="accent1"/>
+          </a:fillRef>
+          <a:effectRef idx="2">
+            <a:schemeClr val="accent1"/>
+          </a:effectRef>
+          <a:fontRef idx="minor">
+            <a:schemeClr val="lt1"/>
+          </a:fontRef>
+        </p:style>
+        <p:txBody>
+          <a:bodyPr rtlCol="0" anchor="ctr"/>
+          <a:lstStyle/>
+          <a:p>
+            <a:pPr algn="ctr"/>
+          </a:p>
+        </p:txBody>
+      </p:sp>
+      <p:sp>
+        <p:nvSpPr>
+          <p:cNvPr id="15" name="Rounded Rectangle 14"/>
+          <p:cNvSpPr/>
+          <p:nvPr/>
+        </p:nvSpPr>
+        <p:spPr>
+          <a:xfrm>
+            <a:off x="13092836" y="7590342"/>
+            <a:ext cx="3882725" cy="3544397"/>
+          </a:xfrm>
+          <a:prstGeom prst="roundRect">
+            <a:avLst/>
+          </a:prstGeom>
+          <a:solidFill>
+            <a:srgbClr val="D6E0DE"/>
+          </a:solidFill>
+          <a:ln>
+            <a:noFill/>
+          </a:ln>
+        </p:spPr>
+        <p:style>
+          <a:lnRef idx="1">
+            <a:schemeClr val="accent1"/>
+          </a:lnRef>
+          <a:fillRef idx="3">
+            <a:schemeClr val="accent1"/>
+          </a:fillRef>
+          <a:effectRef idx="2">
+            <a:schemeClr val="accent1"/>
+          </a:effectRef>
+          <a:fontRef idx="minor">
+            <a:schemeClr val="lt1"/>
+          </a:fontRef>
+        </p:style>
+        <p:txBody>
+          <a:bodyPr rtlCol="0" anchor="ctr"/>
+          <a:lstStyle/>
+          <a:p>
+            <a:pPr algn="ctr"/>
+          </a:p>
+        </p:txBody>
+      </p:sp>
+      <p:sp>
+        <p:nvSpPr>
+          <p:cNvPr id="16" name="TextBox 15"/>
           <p:cNvSpPr txBox="1"/>
           <p:nvPr/>
         </p:nvSpPr>
         <p:spPr>
           <a:xfrm>
-            <a:off x="5897880" y="2331720"/>
-            <a:ext cx="2651760" cy="2103120"/>
+            <a:off x="13370539" y="8410102"/>
+            <a:ext cx="3327410" cy="1904969"/>
           </a:xfrm>
           <a:prstGeom prst="rect">
             <a:avLst/>
@@ -3416,27 +3722,51 @@
           <a:p>
             <a:pPr algn="ctr"/>
             <a:r>
-              <a:rPr sz="1300" b="0">
+              <a:rPr sz="2600" b="0" i="0">
                 <a:solidFill>
                   <a:srgbClr val="FFFFFF"/>
                 </a:solidFill>
-                <a:latin typeface="Quicksand"/>
+                <a:latin typeface="Quicksand (TT)"/>
               </a:rPr>
-              <a:t>{{col3_body}}</a:t>
-            </a:r>
-          </a:p>
-        </p:txBody>
-      </p:sp>
-      <p:sp>
-        <p:nvSpPr>
-          <p:cNvPr id="12" name="col4_header"/>
+              <a:t>VIX oversold exposure:</a:t>
+            </a:r>
+          </a:p>
+          <a:p>
+            <a:pPr algn="ctr"/>
+            <a:r>
+              <a:rPr sz="2600" b="1" i="0">
+                <a:solidFill>
+                  <a:srgbClr val="FFFFFF"/>
+                </a:solidFill>
+                <a:latin typeface="Quicksand (TT)"/>
+              </a:rPr>
+              <a:t>Invested 4% </a:t>
+            </a:r>
+          </a:p>
+          <a:p>
+            <a:pPr algn="ctr"/>
+            <a:r>
+              <a:rPr sz="2600" b="0" i="0">
+                <a:solidFill>
+                  <a:srgbClr val="FFFFFF"/>
+                </a:solidFill>
+                <a:latin typeface="Quicksand (TT)"/>
+              </a:rPr>
+              <a:t>of the time</a:t>
+            </a:r>
+          </a:p>
+        </p:txBody>
+      </p:sp>
+      <p:sp>
+        <p:nvSpPr>
+          <p:cNvPr id="17" name="TextBox 16"/>
           <p:cNvSpPr txBox="1"/>
           <p:nvPr/>
         </p:nvSpPr>
         <p:spPr>
           <a:xfrm>
-            <a:off x="8732520" y="1828800"/>
-            <a:ext cx="2651760" cy="347472"/>
+            <a:off x="13562746" y="6345936"/>
+            <a:ext cx="2942813" cy="381030"/>
           </a:xfrm>
           <a:prstGeom prst="rect">
             <a:avLst/>
@@ -3451,27 +3781,113 @@
           <a:p>
             <a:pPr algn="ctr"/>
             <a:r>
-              <a:rPr sz="1400" b="1">
+              <a:rPr sz="3000" b="0" i="0">
                 <a:solidFill>
                   <a:srgbClr val="212121"/>
                 </a:solidFill>
-                <a:latin typeface="Quicksand"/>
+                <a:latin typeface="Quicksand (TT)"/>
               </a:rPr>
-              <a:t>{{col4_header}}</a:t>
-            </a:r>
-          </a:p>
-        </p:txBody>
-      </p:sp>
-      <p:sp>
-        <p:nvSpPr>
-          <p:cNvPr id="13" name="col4_body"/>
+              <a:t>Trigger</a:t>
+            </a:r>
+          </a:p>
+        </p:txBody>
+      </p:sp>
+      <p:sp>
+        <p:nvSpPr>
+          <p:cNvPr id="18" name="Rounded Rectangle 17"/>
+          <p:cNvSpPr/>
+          <p:nvPr/>
+        </p:nvSpPr>
+        <p:spPr>
+          <a:xfrm>
+            <a:off x="13118439" y="6120170"/>
+            <a:ext cx="3831427" cy="922538"/>
+          </a:xfrm>
+          <a:prstGeom prst="roundRect">
+            <a:avLst/>
+          </a:prstGeom>
+          <a:solidFill>
+            <a:srgbClr val="D6E0DE"/>
+          </a:solidFill>
+          <a:ln>
+            <a:noFill/>
+          </a:ln>
+        </p:spPr>
+        <p:style>
+          <a:lnRef idx="1">
+            <a:schemeClr val="accent1"/>
+          </a:lnRef>
+          <a:fillRef idx="3">
+            <a:schemeClr val="accent1"/>
+          </a:fillRef>
+          <a:effectRef idx="2">
+            <a:schemeClr val="accent1"/>
+          </a:effectRef>
+          <a:fontRef idx="minor">
+            <a:schemeClr val="lt1"/>
+          </a:fontRef>
+        </p:style>
+        <p:txBody>
+          <a:bodyPr rtlCol="0" anchor="ctr"/>
+          <a:lstStyle/>
+          <a:p>
+            <a:pPr algn="ctr"/>
+          </a:p>
+        </p:txBody>
+      </p:sp>
+      <p:sp>
+        <p:nvSpPr>
+          <p:cNvPr id="19" name="Rounded Rectangle 18"/>
+          <p:cNvSpPr/>
+          <p:nvPr/>
+        </p:nvSpPr>
+        <p:spPr>
+          <a:xfrm>
+            <a:off x="13092836" y="7590342"/>
+            <a:ext cx="3882725" cy="3544397"/>
+          </a:xfrm>
+          <a:prstGeom prst="roundRect">
+            <a:avLst/>
+          </a:prstGeom>
+          <a:solidFill>
+            <a:srgbClr val="D6E0DE"/>
+          </a:solidFill>
+          <a:ln>
+            <a:noFill/>
+          </a:ln>
+        </p:spPr>
+        <p:style>
+          <a:lnRef idx="1">
+            <a:schemeClr val="accent1"/>
+          </a:lnRef>
+          <a:fillRef idx="3">
+            <a:schemeClr val="accent1"/>
+          </a:fillRef>
+          <a:effectRef idx="2">
+            <a:schemeClr val="accent1"/>
+          </a:effectRef>
+          <a:fontRef idx="minor">
+            <a:schemeClr val="lt1"/>
+          </a:fontRef>
+        </p:style>
+        <p:txBody>
+          <a:bodyPr rtlCol="0" anchor="ctr"/>
+          <a:lstStyle/>
+          <a:p>
+            <a:pPr algn="ctr"/>
+          </a:p>
+        </p:txBody>
+      </p:sp>
+      <p:sp>
+        <p:nvSpPr>
+          <p:cNvPr id="20" name="TextBox 19"/>
           <p:cNvSpPr txBox="1"/>
           <p:nvPr/>
         </p:nvSpPr>
         <p:spPr>
           <a:xfrm>
-            <a:off x="8732520" y="2331720"/>
-            <a:ext cx="2651760" cy="2103120"/>
+            <a:off x="7679862" y="8410102"/>
+            <a:ext cx="3327410" cy="1904969"/>
           </a:xfrm>
           <a:prstGeom prst="rect">
             <a:avLst/>
@@ -3486,13 +3902,873 @@
           <a:p>
             <a:pPr algn="ctr"/>
             <a:r>
-              <a:rPr sz="1300" b="0">
+              <a:rPr sz="2600" b="0" i="0">
                 <a:solidFill>
                   <a:srgbClr val="FFFFFF"/>
                 </a:solidFill>
-                <a:latin typeface="Quicksand"/>
+                <a:latin typeface="Quicksand (TT)"/>
               </a:rPr>
-              <a:t>{{col4_body}}</a:t>
+              <a:t>Volume thrust exposure:</a:t>
+            </a:r>
+          </a:p>
+          <a:p>
+            <a:pPr algn="ctr"/>
+            <a:r>
+              <a:rPr sz="2600" b="1" i="0">
+                <a:solidFill>
+                  <a:srgbClr val="FFFFFF"/>
+                </a:solidFill>
+                <a:latin typeface="Quicksand (TT)"/>
+              </a:rPr>
+              <a:t>Invested 43% </a:t>
+            </a:r>
+          </a:p>
+          <a:p>
+            <a:pPr algn="ctr"/>
+            <a:r>
+              <a:rPr sz="2600" b="0" i="0">
+                <a:solidFill>
+                  <a:srgbClr val="FFFFFF"/>
+                </a:solidFill>
+                <a:latin typeface="Quicksand (TT)"/>
+              </a:rPr>
+              <a:t>of the time</a:t>
+            </a:r>
+          </a:p>
+        </p:txBody>
+      </p:sp>
+      <p:sp>
+        <p:nvSpPr>
+          <p:cNvPr id="21" name="TextBox 20"/>
+          <p:cNvSpPr txBox="1"/>
+          <p:nvPr/>
+        </p:nvSpPr>
+        <p:spPr>
+          <a:xfrm>
+            <a:off x="7872161" y="6345936"/>
+            <a:ext cx="2942813" cy="381030"/>
+          </a:xfrm>
+          <a:prstGeom prst="rect">
+            <a:avLst/>
+          </a:prstGeom>
+          <a:noFill/>
+        </p:spPr>
+        <p:txBody>
+          <a:bodyPr wrap="square">
+            <a:spAutoFit/>
+          </a:bodyPr>
+          <a:lstStyle/>
+          <a:p>
+            <a:pPr algn="ctr"/>
+            <a:r>
+              <a:rPr sz="3000" b="0" i="0">
+                <a:solidFill>
+                  <a:srgbClr val="212121"/>
+                </a:solidFill>
+                <a:latin typeface="Quicksand (TT)"/>
+              </a:rPr>
+              <a:t>Trigger</a:t>
+            </a:r>
+          </a:p>
+        </p:txBody>
+      </p:sp>
+      <p:sp>
+        <p:nvSpPr>
+          <p:cNvPr id="22" name="Rounded Rectangle 21"/>
+          <p:cNvSpPr/>
+          <p:nvPr/>
+        </p:nvSpPr>
+        <p:spPr>
+          <a:xfrm>
+            <a:off x="7427854" y="6120170"/>
+            <a:ext cx="3831427" cy="922538"/>
+          </a:xfrm>
+          <a:prstGeom prst="roundRect">
+            <a:avLst/>
+          </a:prstGeom>
+          <a:solidFill>
+            <a:srgbClr val="D6E0DE"/>
+          </a:solidFill>
+          <a:ln>
+            <a:noFill/>
+          </a:ln>
+        </p:spPr>
+        <p:style>
+          <a:lnRef idx="1">
+            <a:schemeClr val="accent1"/>
+          </a:lnRef>
+          <a:fillRef idx="3">
+            <a:schemeClr val="accent1"/>
+          </a:fillRef>
+          <a:effectRef idx="2">
+            <a:schemeClr val="accent1"/>
+          </a:effectRef>
+          <a:fontRef idx="minor">
+            <a:schemeClr val="lt1"/>
+          </a:fontRef>
+        </p:style>
+        <p:txBody>
+          <a:bodyPr rtlCol="0" anchor="ctr"/>
+          <a:lstStyle/>
+          <a:p>
+            <a:pPr algn="ctr"/>
+          </a:p>
+        </p:txBody>
+      </p:sp>
+      <p:sp>
+        <p:nvSpPr>
+          <p:cNvPr id="23" name="Rounded Rectangle 22"/>
+          <p:cNvSpPr/>
+          <p:nvPr/>
+        </p:nvSpPr>
+        <p:spPr>
+          <a:xfrm>
+            <a:off x="7402250" y="7590342"/>
+            <a:ext cx="3882725" cy="3544397"/>
+          </a:xfrm>
+          <a:prstGeom prst="roundRect">
+            <a:avLst/>
+          </a:prstGeom>
+          <a:solidFill>
+            <a:srgbClr val="D6E0DE"/>
+          </a:solidFill>
+          <a:ln>
+            <a:noFill/>
+          </a:ln>
+        </p:spPr>
+        <p:style>
+          <a:lnRef idx="1">
+            <a:schemeClr val="accent1"/>
+          </a:lnRef>
+          <a:fillRef idx="3">
+            <a:schemeClr val="accent1"/>
+          </a:fillRef>
+          <a:effectRef idx="2">
+            <a:schemeClr val="accent1"/>
+          </a:effectRef>
+          <a:fontRef idx="minor">
+            <a:schemeClr val="lt1"/>
+          </a:fontRef>
+        </p:style>
+        <p:txBody>
+          <a:bodyPr rtlCol="0" anchor="ctr"/>
+          <a:lstStyle/>
+          <a:p>
+            <a:pPr algn="ctr"/>
+          </a:p>
+        </p:txBody>
+      </p:sp>
+      <p:sp>
+        <p:nvSpPr>
+          <p:cNvPr id="24" name="TextBox 23"/>
+          <p:cNvSpPr txBox="1"/>
+          <p:nvPr/>
+        </p:nvSpPr>
+        <p:spPr>
+          <a:xfrm>
+            <a:off x="7679862" y="8410102"/>
+            <a:ext cx="3327410" cy="1904969"/>
+          </a:xfrm>
+          <a:prstGeom prst="rect">
+            <a:avLst/>
+          </a:prstGeom>
+          <a:noFill/>
+        </p:spPr>
+        <p:txBody>
+          <a:bodyPr wrap="square">
+            <a:spAutoFit/>
+          </a:bodyPr>
+          <a:lstStyle/>
+          <a:p>
+            <a:pPr algn="ctr"/>
+            <a:r>
+              <a:rPr sz="2600" b="0" i="0">
+                <a:solidFill>
+                  <a:srgbClr val="FFFFFF"/>
+                </a:solidFill>
+                <a:latin typeface="Quicksand (TT)"/>
+              </a:rPr>
+              <a:t>Volume thrust exposure:</a:t>
+            </a:r>
+          </a:p>
+          <a:p>
+            <a:pPr algn="ctr"/>
+            <a:r>
+              <a:rPr sz="2600" b="1" i="0">
+                <a:solidFill>
+                  <a:srgbClr val="FFFFFF"/>
+                </a:solidFill>
+                <a:latin typeface="Quicksand (TT)"/>
+              </a:rPr>
+              <a:t>Invested 43% </a:t>
+            </a:r>
+          </a:p>
+          <a:p>
+            <a:pPr algn="ctr"/>
+            <a:r>
+              <a:rPr sz="2600" b="0" i="0">
+                <a:solidFill>
+                  <a:srgbClr val="FFFFFF"/>
+                </a:solidFill>
+                <a:latin typeface="Quicksand (TT)"/>
+              </a:rPr>
+              <a:t>of the time</a:t>
+            </a:r>
+          </a:p>
+        </p:txBody>
+      </p:sp>
+      <p:sp>
+        <p:nvSpPr>
+          <p:cNvPr id="25" name="TextBox 24"/>
+          <p:cNvSpPr txBox="1"/>
+          <p:nvPr/>
+        </p:nvSpPr>
+        <p:spPr>
+          <a:xfrm>
+            <a:off x="7872161" y="6345936"/>
+            <a:ext cx="2942813" cy="381030"/>
+          </a:xfrm>
+          <a:prstGeom prst="rect">
+            <a:avLst/>
+          </a:prstGeom>
+          <a:noFill/>
+        </p:spPr>
+        <p:txBody>
+          <a:bodyPr wrap="square">
+            <a:spAutoFit/>
+          </a:bodyPr>
+          <a:lstStyle/>
+          <a:p>
+            <a:pPr algn="ctr"/>
+            <a:r>
+              <a:rPr sz="3000" b="0" i="0">
+                <a:solidFill>
+                  <a:srgbClr val="212121"/>
+                </a:solidFill>
+                <a:latin typeface="Quicksand (TT)"/>
+              </a:rPr>
+              <a:t>Trigger</a:t>
+            </a:r>
+          </a:p>
+        </p:txBody>
+      </p:sp>
+      <p:sp>
+        <p:nvSpPr>
+          <p:cNvPr id="26" name="Rounded Rectangle 25"/>
+          <p:cNvSpPr/>
+          <p:nvPr/>
+        </p:nvSpPr>
+        <p:spPr>
+          <a:xfrm>
+            <a:off x="7427854" y="6120170"/>
+            <a:ext cx="3831427" cy="922538"/>
+          </a:xfrm>
+          <a:prstGeom prst="roundRect">
+            <a:avLst/>
+          </a:prstGeom>
+          <a:solidFill>
+            <a:srgbClr val="D6E0DE"/>
+          </a:solidFill>
+          <a:ln>
+            <a:noFill/>
+          </a:ln>
+        </p:spPr>
+        <p:style>
+          <a:lnRef idx="1">
+            <a:schemeClr val="accent1"/>
+          </a:lnRef>
+          <a:fillRef idx="3">
+            <a:schemeClr val="accent1"/>
+          </a:fillRef>
+          <a:effectRef idx="2">
+            <a:schemeClr val="accent1"/>
+          </a:effectRef>
+          <a:fontRef idx="minor">
+            <a:schemeClr val="lt1"/>
+          </a:fontRef>
+        </p:style>
+        <p:txBody>
+          <a:bodyPr rtlCol="0" anchor="ctr"/>
+          <a:lstStyle/>
+          <a:p>
+            <a:pPr algn="ctr"/>
+          </a:p>
+        </p:txBody>
+      </p:sp>
+      <p:sp>
+        <p:nvSpPr>
+          <p:cNvPr id="27" name="Rounded Rectangle 26"/>
+          <p:cNvSpPr/>
+          <p:nvPr/>
+        </p:nvSpPr>
+        <p:spPr>
+          <a:xfrm>
+            <a:off x="7402250" y="7590342"/>
+            <a:ext cx="3882725" cy="3544397"/>
+          </a:xfrm>
+          <a:prstGeom prst="roundRect">
+            <a:avLst/>
+          </a:prstGeom>
+          <a:solidFill>
+            <a:srgbClr val="D6E0DE"/>
+          </a:solidFill>
+          <a:ln>
+            <a:noFill/>
+          </a:ln>
+        </p:spPr>
+        <p:style>
+          <a:lnRef idx="1">
+            <a:schemeClr val="accent1"/>
+          </a:lnRef>
+          <a:fillRef idx="3">
+            <a:schemeClr val="accent1"/>
+          </a:fillRef>
+          <a:effectRef idx="2">
+            <a:schemeClr val="accent1"/>
+          </a:effectRef>
+          <a:fontRef idx="minor">
+            <a:schemeClr val="lt1"/>
+          </a:fontRef>
+        </p:style>
+        <p:txBody>
+          <a:bodyPr rtlCol="0" anchor="ctr"/>
+          <a:lstStyle/>
+          <a:p>
+            <a:pPr algn="ctr"/>
+          </a:p>
+        </p:txBody>
+      </p:sp>
+      <p:sp>
+        <p:nvSpPr>
+          <p:cNvPr id="28" name="TextBox 27"/>
+          <p:cNvSpPr txBox="1"/>
+          <p:nvPr/>
+        </p:nvSpPr>
+        <p:spPr>
+          <a:xfrm>
+            <a:off x="1989277" y="8410102"/>
+            <a:ext cx="3327410" cy="1904969"/>
+          </a:xfrm>
+          <a:prstGeom prst="rect">
+            <a:avLst/>
+          </a:prstGeom>
+          <a:noFill/>
+        </p:spPr>
+        <p:txBody>
+          <a:bodyPr wrap="square">
+            <a:spAutoFit/>
+          </a:bodyPr>
+          <a:lstStyle/>
+          <a:p>
+            <a:pPr algn="ctr"/>
+            <a:r>
+              <a:rPr sz="2600" b="0" i="0">
+                <a:solidFill>
+                  <a:srgbClr val="FFFFFF"/>
+                </a:solidFill>
+                <a:latin typeface="Quicksand (TT)"/>
+              </a:rPr>
+              <a:t>Long-term trend exposure:</a:t>
+            </a:r>
+          </a:p>
+          <a:p>
+            <a:pPr algn="ctr"/>
+            <a:r>
+              <a:rPr sz="2600" b="1" i="0">
+                <a:solidFill>
+                  <a:srgbClr val="FFFFFF"/>
+                </a:solidFill>
+                <a:latin typeface="Quicksand (TT)"/>
+              </a:rPr>
+              <a:t>Invested 71% </a:t>
+            </a:r>
+          </a:p>
+          <a:p>
+            <a:pPr algn="ctr"/>
+            <a:r>
+              <a:rPr sz="2600" b="0" i="0">
+                <a:solidFill>
+                  <a:srgbClr val="FFFFFF"/>
+                </a:solidFill>
+                <a:latin typeface="Quicksand (TT)"/>
+              </a:rPr>
+              <a:t>of the time</a:t>
+            </a:r>
+          </a:p>
+        </p:txBody>
+      </p:sp>
+      <p:sp>
+        <p:nvSpPr>
+          <p:cNvPr id="29" name="TextBox 28"/>
+          <p:cNvSpPr txBox="1"/>
+          <p:nvPr/>
+        </p:nvSpPr>
+        <p:spPr>
+          <a:xfrm>
+            <a:off x="2317729" y="6345936"/>
+            <a:ext cx="2670413" cy="381030"/>
+          </a:xfrm>
+          <a:prstGeom prst="rect">
+            <a:avLst/>
+          </a:prstGeom>
+          <a:noFill/>
+        </p:spPr>
+        <p:txBody>
+          <a:bodyPr wrap="square">
+            <a:spAutoFit/>
+          </a:bodyPr>
+          <a:lstStyle/>
+          <a:p>
+            <a:pPr algn="ctr"/>
+            <a:r>
+              <a:rPr sz="3000" b="0" i="0">
+                <a:solidFill>
+                  <a:srgbClr val="212121"/>
+                </a:solidFill>
+                <a:latin typeface="Quicksand (TT)"/>
+              </a:rPr>
+              <a:t>Base</a:t>
+            </a:r>
+          </a:p>
+        </p:txBody>
+      </p:sp>
+      <p:sp>
+        <p:nvSpPr>
+          <p:cNvPr id="30" name="Rounded Rectangle 29"/>
+          <p:cNvSpPr/>
+          <p:nvPr/>
+        </p:nvSpPr>
+        <p:spPr>
+          <a:xfrm>
+            <a:off x="1737268" y="6120170"/>
+            <a:ext cx="3831427" cy="922538"/>
+          </a:xfrm>
+          <a:prstGeom prst="roundRect">
+            <a:avLst/>
+          </a:prstGeom>
+          <a:solidFill>
+            <a:srgbClr val="D6E0DE"/>
+          </a:solidFill>
+          <a:ln>
+            <a:noFill/>
+          </a:ln>
+        </p:spPr>
+        <p:style>
+          <a:lnRef idx="1">
+            <a:schemeClr val="accent1"/>
+          </a:lnRef>
+          <a:fillRef idx="3">
+            <a:schemeClr val="accent1"/>
+          </a:fillRef>
+          <a:effectRef idx="2">
+            <a:schemeClr val="accent1"/>
+          </a:effectRef>
+          <a:fontRef idx="minor">
+            <a:schemeClr val="lt1"/>
+          </a:fontRef>
+        </p:style>
+        <p:txBody>
+          <a:bodyPr rtlCol="0" anchor="ctr"/>
+          <a:lstStyle/>
+          <a:p>
+            <a:pPr algn="ctr"/>
+          </a:p>
+        </p:txBody>
+      </p:sp>
+      <p:sp>
+        <p:nvSpPr>
+          <p:cNvPr id="31" name="Rounded Rectangle 30"/>
+          <p:cNvSpPr/>
+          <p:nvPr/>
+        </p:nvSpPr>
+        <p:spPr>
+          <a:xfrm>
+            <a:off x="1711573" y="7590342"/>
+            <a:ext cx="3882725" cy="3544397"/>
+          </a:xfrm>
+          <a:prstGeom prst="roundRect">
+            <a:avLst/>
+          </a:prstGeom>
+          <a:solidFill>
+            <a:srgbClr val="D6E0DE"/>
+          </a:solidFill>
+          <a:ln>
+            <a:noFill/>
+          </a:ln>
+        </p:spPr>
+        <p:style>
+          <a:lnRef idx="1">
+            <a:schemeClr val="accent1"/>
+          </a:lnRef>
+          <a:fillRef idx="3">
+            <a:schemeClr val="accent1"/>
+          </a:fillRef>
+          <a:effectRef idx="2">
+            <a:schemeClr val="accent1"/>
+          </a:effectRef>
+          <a:fontRef idx="minor">
+            <a:schemeClr val="lt1"/>
+          </a:fontRef>
+        </p:style>
+        <p:txBody>
+          <a:bodyPr rtlCol="0" anchor="ctr"/>
+          <a:lstStyle/>
+          <a:p>
+            <a:pPr algn="ctr"/>
+          </a:p>
+        </p:txBody>
+      </p:sp>
+      <p:sp>
+        <p:nvSpPr>
+          <p:cNvPr id="32" name="TextBox 31"/>
+          <p:cNvSpPr txBox="1"/>
+          <p:nvPr/>
+        </p:nvSpPr>
+        <p:spPr>
+          <a:xfrm>
+            <a:off x="1989277" y="8410102"/>
+            <a:ext cx="3327410" cy="1904969"/>
+          </a:xfrm>
+          <a:prstGeom prst="rect">
+            <a:avLst/>
+          </a:prstGeom>
+          <a:noFill/>
+        </p:spPr>
+        <p:txBody>
+          <a:bodyPr wrap="square">
+            <a:spAutoFit/>
+          </a:bodyPr>
+          <a:lstStyle/>
+          <a:p>
+            <a:pPr algn="ctr"/>
+            <a:r>
+              <a:rPr sz="2600" b="0" i="0">
+                <a:solidFill>
+                  <a:srgbClr val="FFFFFF"/>
+                </a:solidFill>
+                <a:latin typeface="Quicksand (TT)"/>
+              </a:rPr>
+              <a:t>Long-term trend exposure:</a:t>
+            </a:r>
+          </a:p>
+          <a:p>
+            <a:pPr algn="ctr"/>
+            <a:r>
+              <a:rPr sz="2600" b="1" i="0">
+                <a:solidFill>
+                  <a:srgbClr val="FFFFFF"/>
+                </a:solidFill>
+                <a:latin typeface="Quicksand (TT)"/>
+              </a:rPr>
+              <a:t>Invested 71% </a:t>
+            </a:r>
+          </a:p>
+          <a:p>
+            <a:pPr algn="ctr"/>
+            <a:r>
+              <a:rPr sz="2600" b="0" i="0">
+                <a:solidFill>
+                  <a:srgbClr val="FFFFFF"/>
+                </a:solidFill>
+                <a:latin typeface="Quicksand (TT)"/>
+              </a:rPr>
+              <a:t>of the time</a:t>
+            </a:r>
+          </a:p>
+        </p:txBody>
+      </p:sp>
+      <p:sp>
+        <p:nvSpPr>
+          <p:cNvPr id="33" name="TextBox 32"/>
+          <p:cNvSpPr txBox="1"/>
+          <p:nvPr/>
+        </p:nvSpPr>
+        <p:spPr>
+          <a:xfrm>
+            <a:off x="2317729" y="6345936"/>
+            <a:ext cx="2670413" cy="381030"/>
+          </a:xfrm>
+          <a:prstGeom prst="rect">
+            <a:avLst/>
+          </a:prstGeom>
+          <a:noFill/>
+        </p:spPr>
+        <p:txBody>
+          <a:bodyPr wrap="square">
+            <a:spAutoFit/>
+          </a:bodyPr>
+          <a:lstStyle/>
+          <a:p>
+            <a:pPr algn="ctr"/>
+            <a:r>
+              <a:rPr sz="3000" b="0" i="0">
+                <a:solidFill>
+                  <a:srgbClr val="212121"/>
+                </a:solidFill>
+                <a:latin typeface="Quicksand (TT)"/>
+              </a:rPr>
+              <a:t>Base</a:t>
+            </a:r>
+          </a:p>
+        </p:txBody>
+      </p:sp>
+      <p:sp>
+        <p:nvSpPr>
+          <p:cNvPr id="34" name="Rounded Rectangle 33"/>
+          <p:cNvSpPr/>
+          <p:nvPr/>
+        </p:nvSpPr>
+        <p:spPr>
+          <a:xfrm>
+            <a:off x="1737268" y="6120170"/>
+            <a:ext cx="3831427" cy="922538"/>
+          </a:xfrm>
+          <a:prstGeom prst="roundRect">
+            <a:avLst/>
+          </a:prstGeom>
+          <a:solidFill>
+            <a:srgbClr val="D6E0DE"/>
+          </a:solidFill>
+          <a:ln>
+            <a:noFill/>
+          </a:ln>
+        </p:spPr>
+        <p:style>
+          <a:lnRef idx="1">
+            <a:schemeClr val="accent1"/>
+          </a:lnRef>
+          <a:fillRef idx="3">
+            <a:schemeClr val="accent1"/>
+          </a:fillRef>
+          <a:effectRef idx="2">
+            <a:schemeClr val="accent1"/>
+          </a:effectRef>
+          <a:fontRef idx="minor">
+            <a:schemeClr val="lt1"/>
+          </a:fontRef>
+        </p:style>
+        <p:txBody>
+          <a:bodyPr rtlCol="0" anchor="ctr"/>
+          <a:lstStyle/>
+          <a:p>
+            <a:pPr algn="ctr"/>
+          </a:p>
+        </p:txBody>
+      </p:sp>
+      <p:sp>
+        <p:nvSpPr>
+          <p:cNvPr id="35" name="Rounded Rectangle 34"/>
+          <p:cNvSpPr/>
+          <p:nvPr/>
+        </p:nvSpPr>
+        <p:spPr>
+          <a:xfrm>
+            <a:off x="1711573" y="7590342"/>
+            <a:ext cx="3882725" cy="3544397"/>
+          </a:xfrm>
+          <a:prstGeom prst="roundRect">
+            <a:avLst/>
+          </a:prstGeom>
+          <a:solidFill>
+            <a:srgbClr val="D6E0DE"/>
+          </a:solidFill>
+          <a:ln>
+            <a:noFill/>
+          </a:ln>
+        </p:spPr>
+        <p:style>
+          <a:lnRef idx="1">
+            <a:schemeClr val="accent1"/>
+          </a:lnRef>
+          <a:fillRef idx="3">
+            <a:schemeClr val="accent1"/>
+          </a:fillRef>
+          <a:effectRef idx="2">
+            <a:schemeClr val="accent1"/>
+          </a:effectRef>
+          <a:fontRef idx="minor">
+            <a:schemeClr val="lt1"/>
+          </a:fontRef>
+        </p:style>
+        <p:txBody>
+          <a:bodyPr rtlCol="0" anchor="ctr"/>
+          <a:lstStyle/>
+          <a:p>
+            <a:pPr algn="ctr"/>
+          </a:p>
+        </p:txBody>
+      </p:sp>
+      <p:sp>
+        <p:nvSpPr>
+          <p:cNvPr id="36" name="TextBox 35"/>
+          <p:cNvSpPr txBox="1"/>
+          <p:nvPr/>
+        </p:nvSpPr>
+        <p:spPr>
+          <a:xfrm>
+            <a:off x="17641702" y="8949232"/>
+            <a:ext cx="481797" cy="826800"/>
+          </a:xfrm>
+          <a:prstGeom prst="rect">
+            <a:avLst/>
+          </a:prstGeom>
+          <a:noFill/>
+        </p:spPr>
+        <p:txBody>
+          <a:bodyPr wrap="square">
+            <a:spAutoFit/>
+          </a:bodyPr>
+          <a:lstStyle/>
+          <a:p>
+            <a:pPr algn="ctr"/>
+            <a:r>
+              <a:rPr sz="7000" b="0" i="0">
+                <a:solidFill>
+                  <a:srgbClr val="FFCB0A"/>
+                </a:solidFill>
+                <a:latin typeface="Rajdhani"/>
+              </a:rPr>
+              <a:t>=</a:t>
+            </a:r>
+          </a:p>
+        </p:txBody>
+      </p:sp>
+      <p:sp>
+        <p:nvSpPr>
+          <p:cNvPr id="37" name="TextBox 36"/>
+          <p:cNvSpPr txBox="1"/>
+          <p:nvPr/>
+        </p:nvSpPr>
+        <p:spPr>
+          <a:xfrm>
+            <a:off x="11951116" y="8949232"/>
+            <a:ext cx="475579" cy="826800"/>
+          </a:xfrm>
+          <a:prstGeom prst="rect">
+            <a:avLst/>
+          </a:prstGeom>
+          <a:noFill/>
+        </p:spPr>
+        <p:txBody>
+          <a:bodyPr wrap="square">
+            <a:spAutoFit/>
+          </a:bodyPr>
+          <a:lstStyle/>
+          <a:p>
+            <a:pPr algn="ctr"/>
+            <a:r>
+              <a:rPr sz="7000" b="0" i="0">
+                <a:solidFill>
+                  <a:srgbClr val="FFCB0A"/>
+                </a:solidFill>
+                <a:latin typeface="Rajdhani"/>
+              </a:rPr>
+              <a:t>+</a:t>
+            </a:r>
+          </a:p>
+        </p:txBody>
+      </p:sp>
+      <p:sp>
+        <p:nvSpPr>
+          <p:cNvPr id="38" name="TextBox 37"/>
+          <p:cNvSpPr txBox="1"/>
+          <p:nvPr/>
+        </p:nvSpPr>
+        <p:spPr>
+          <a:xfrm>
+            <a:off x="6260439" y="8949232"/>
+            <a:ext cx="475579" cy="826800"/>
+          </a:xfrm>
+          <a:prstGeom prst="rect">
+            <a:avLst/>
+          </a:prstGeom>
+          <a:noFill/>
+        </p:spPr>
+        <p:txBody>
+          <a:bodyPr wrap="square">
+            <a:spAutoFit/>
+          </a:bodyPr>
+          <a:lstStyle/>
+          <a:p>
+            <a:pPr algn="ctr"/>
+            <a:r>
+              <a:rPr sz="7000" b="0" i="0">
+                <a:solidFill>
+                  <a:srgbClr val="FFCB0A"/>
+                </a:solidFill>
+                <a:latin typeface="Rajdhani"/>
+              </a:rPr>
+              <a:t>+</a:t>
+            </a:r>
+          </a:p>
+        </p:txBody>
+      </p:sp>
+      <p:sp>
+        <p:nvSpPr>
+          <p:cNvPr id="39" name="TextBox 38"/>
+          <p:cNvSpPr txBox="1"/>
+          <p:nvPr/>
+        </p:nvSpPr>
+        <p:spPr>
+          <a:xfrm>
+            <a:off x="1066830" y="1143000"/>
+            <a:ext cx="5333969" cy="559155"/>
+          </a:xfrm>
+          <a:prstGeom prst="rect">
+            <a:avLst/>
+          </a:prstGeom>
+          <a:noFill/>
+        </p:spPr>
+        <p:txBody>
+          <a:bodyPr wrap="square">
+            <a:spAutoFit/>
+          </a:bodyPr>
+          <a:lstStyle/>
+          <a:p>
+            <a:pPr algn="l"/>
+            <a:r>
+              <a:rPr sz="3600" b="0" i="0">
+                <a:solidFill>
+                  <a:srgbClr val="FFFFFF"/>
+                </a:solidFill>
+                <a:latin typeface="Rajdhani"/>
+              </a:rPr>
+              <a:t>process</a:t>
+            </a:r>
+          </a:p>
+        </p:txBody>
+      </p:sp>
+      <p:sp>
+        <p:nvSpPr>
+          <p:cNvPr id="40" name="TextBox 39"/>
+          <p:cNvSpPr txBox="1"/>
+          <p:nvPr/>
+        </p:nvSpPr>
+        <p:spPr>
+          <a:xfrm>
+            <a:off x="3853921" y="2475463"/>
+            <a:ext cx="16676187" cy="1623060"/>
+          </a:xfrm>
+          <a:prstGeom prst="rect">
+            <a:avLst/>
+          </a:prstGeom>
+          <a:noFill/>
+        </p:spPr>
+        <p:txBody>
+          <a:bodyPr wrap="square">
+            <a:spAutoFit/>
+          </a:bodyPr>
+          <a:lstStyle/>
+          <a:p>
+            <a:pPr algn="ctr"/>
+            <a:r>
+              <a:rPr sz="6000" b="0" i="0">
+                <a:solidFill>
+                  <a:srgbClr val="FFFFFF"/>
+                </a:solidFill>
+                <a:latin typeface="Rajdhani"/>
+              </a:rPr>
+              <a:t>reducing risk by reducing exposure</a:t>
             </a:r>
           </a:p>
         </p:txBody>

--- a/pptx_engine/templates/bull-bear/four-col-equation-dark.pptx
+++ b/pptx_engine/templates/bull-bear/four-col-equation-dark.pptx
@@ -3158,9 +3158,33 @@
           </a:p>
         </p:txBody>
       </p:sp>
-      <p:sp>
-        <p:nvSpPr>
-          <p:cNvPr id="4" name="TextBox 3"/>
+      <p:pic>
+        <p:nvPicPr>
+          <p:cNvPr id="4" name="Picture 3" descr="s09_e04.png"/>
+          <p:cNvPicPr>
+            <a:picLocks noChangeAspect="1"/>
+          </p:cNvPicPr>
+          <p:nvPr/>
+        </p:nvPicPr>
+        <p:blipFill>
+          <a:blip r:embed="rId2"/>
+          <a:stretch>
+            <a:fillRect/>
+          </a:stretch>
+        </p:blipFill>
+        <p:spPr>
+          <a:xfrm>
+            <a:off x="18789639" y="6120170"/>
+            <a:ext cx="3882725" cy="5014569"/>
+          </a:xfrm>
+          <a:prstGeom prst="rect">
+            <a:avLst/>
+          </a:prstGeom>
+        </p:spPr>
+      </p:pic>
+      <p:sp>
+        <p:nvSpPr>
+          <p:cNvPr id="5" name="TextBox 4"/>
           <p:cNvSpPr txBox="1"/>
           <p:nvPr/>
         </p:nvSpPr>
@@ -3219,7 +3243,7 @@
       </p:sp>
       <p:sp>
         <p:nvSpPr>
-          <p:cNvPr id="5" name="TextBox 4"/>
+          <p:cNvPr id="6" name="TextBox 5"/>
           <p:cNvSpPr txBox="1"/>
           <p:nvPr/>
         </p:nvSpPr>
@@ -3254,7 +3278,7 @@
       </p:sp>
       <p:sp>
         <p:nvSpPr>
-          <p:cNvPr id="6" name="Rounded Rectangle 5"/>
+          <p:cNvPr id="7" name="Rounded Rectangle 6"/>
           <p:cNvSpPr/>
           <p:nvPr/>
         </p:nvSpPr>
@@ -3297,7 +3321,7 @@
       </p:sp>
       <p:sp>
         <p:nvSpPr>
-          <p:cNvPr id="7" name="Rounded Rectangle 6"/>
+          <p:cNvPr id="8" name="Rounded Rectangle 7"/>
           <p:cNvSpPr/>
           <p:nvPr/>
         </p:nvSpPr>
@@ -3338,16 +3362,40 @@
           </a:p>
         </p:txBody>
       </p:sp>
-      <p:sp>
-        <p:nvSpPr>
-          <p:cNvPr id="8" name="TextBox 7"/>
+      <p:pic>
+        <p:nvPicPr>
+          <p:cNvPr id="9" name="Picture 8" descr="s09_e05.png"/>
+          <p:cNvPicPr>
+            <a:picLocks noChangeAspect="1"/>
+          </p:cNvPicPr>
+          <p:nvPr/>
+        </p:nvPicPr>
+        <p:blipFill>
+          <a:blip r:embed="rId3"/>
+          <a:stretch>
+            <a:fillRect/>
+          </a:stretch>
+        </p:blipFill>
+        <p:spPr>
+          <a:xfrm>
+            <a:off x="13092836" y="6120170"/>
+            <a:ext cx="3882725" cy="5014569"/>
+          </a:xfrm>
+          <a:prstGeom prst="rect">
+            <a:avLst/>
+          </a:prstGeom>
+        </p:spPr>
+      </p:pic>
+      <p:sp>
+        <p:nvSpPr>
+          <p:cNvPr id="10" name="TextBox 9"/>
           <p:cNvSpPr txBox="1"/>
           <p:nvPr/>
         </p:nvSpPr>
         <p:spPr>
           <a:xfrm>
-            <a:off x="19192067" y="8606972"/>
-            <a:ext cx="3078053" cy="1511320"/>
+            <a:off x="13370539" y="8410102"/>
+            <a:ext cx="3327410" cy="1904969"/>
           </a:xfrm>
           <a:prstGeom prst="rect">
             <a:avLst/>
@@ -3368,7 +3416,19 @@
                 </a:solidFill>
                 <a:latin typeface="Quicksand (TT)"/>
               </a:rPr>
-              <a:t>Keeping combined</a:t>
+              <a:t>VIX oversold exposure:</a:t>
+            </a:r>
+          </a:p>
+          <a:p>
+            <a:pPr algn="ctr"/>
+            <a:r>
+              <a:rPr sz="2600" b="1" i="0">
+                <a:solidFill>
+                  <a:srgbClr val="FFFFFF"/>
+                </a:solidFill>
+                <a:latin typeface="Quicksand (TT)"/>
+              </a:rPr>
+              <a:t>Invested 4% </a:t>
             </a:r>
           </a:p>
           <a:p>
@@ -3380,33 +3440,21 @@
                 </a:solidFill>
                 <a:latin typeface="Quicksand (TT)"/>
               </a:rPr>
-              <a:t>system exposure to</a:t>
-            </a:r>
-          </a:p>
-          <a:p>
-            <a:pPr algn="ctr"/>
-            <a:r>
-              <a:rPr sz="2600" b="1" i="0">
-                <a:solidFill>
-                  <a:srgbClr val="FFFFFF"/>
-                </a:solidFill>
-                <a:latin typeface="Quicksand (TT)"/>
-              </a:rPr>
-              <a:t>62% can help reduce risk.</a:t>
-            </a:r>
-          </a:p>
-        </p:txBody>
-      </p:sp>
-      <p:sp>
-        <p:nvSpPr>
-          <p:cNvPr id="9" name="TextBox 8"/>
+              <a:t>of the time</a:t>
+            </a:r>
+          </a:p>
+        </p:txBody>
+      </p:sp>
+      <p:sp>
+        <p:nvSpPr>
+          <p:cNvPr id="11" name="TextBox 10"/>
           <p:cNvSpPr txBox="1"/>
           <p:nvPr/>
         </p:nvSpPr>
         <p:spPr>
           <a:xfrm>
-            <a:off x="19395795" y="6345936"/>
-            <a:ext cx="2670413" cy="381030"/>
+            <a:off x="13562746" y="6345936"/>
+            <a:ext cx="2942813" cy="381030"/>
           </a:xfrm>
           <a:prstGeom prst="rect">
             <a:avLst/>
@@ -3427,27 +3475,27 @@
                 </a:solidFill>
                 <a:latin typeface="Quicksand (TT)"/>
               </a:rPr>
-              <a:t>Composite</a:t>
-            </a:r>
-          </a:p>
-        </p:txBody>
-      </p:sp>
-      <p:sp>
-        <p:nvSpPr>
-          <p:cNvPr id="10" name="Rounded Rectangle 9"/>
+              <a:t>Trigger</a:t>
+            </a:r>
+          </a:p>
+        </p:txBody>
+      </p:sp>
+      <p:sp>
+        <p:nvSpPr>
+          <p:cNvPr id="12" name="Rounded Rectangle 11"/>
           <p:cNvSpPr/>
           <p:nvPr/>
         </p:nvSpPr>
         <p:spPr>
           <a:xfrm>
-            <a:off x="18815334" y="6120170"/>
+            <a:off x="13118439" y="6120170"/>
             <a:ext cx="3831427" cy="922538"/>
           </a:xfrm>
           <a:prstGeom prst="roundRect">
             <a:avLst/>
           </a:prstGeom>
           <a:solidFill>
-            <a:srgbClr val="FEC00F"/>
+            <a:srgbClr val="D6E0DE"/>
           </a:solidFill>
           <a:ln>
             <a:noFill/>
@@ -3477,20 +3525,20 @@
       </p:sp>
       <p:sp>
         <p:nvSpPr>
-          <p:cNvPr id="11" name="Rounded Rectangle 10"/>
+          <p:cNvPr id="13" name="Rounded Rectangle 12"/>
           <p:cNvSpPr/>
           <p:nvPr/>
         </p:nvSpPr>
         <p:spPr>
           <a:xfrm>
-            <a:off x="18789639" y="7590342"/>
+            <a:off x="13092836" y="7590342"/>
             <a:ext cx="3882725" cy="3544397"/>
           </a:xfrm>
           <a:prstGeom prst="roundRect">
             <a:avLst/>
           </a:prstGeom>
           <a:solidFill>
-            <a:srgbClr val="FEC00F"/>
+            <a:srgbClr val="D6E0DE"/>
           </a:solidFill>
           <a:ln>
             <a:noFill/>
@@ -3518,15 +3566,39 @@
           </a:p>
         </p:txBody>
       </p:sp>
-      <p:sp>
-        <p:nvSpPr>
-          <p:cNvPr id="12" name="TextBox 11"/>
+      <p:pic>
+        <p:nvPicPr>
+          <p:cNvPr id="14" name="Picture 13" descr="s09_e06.png"/>
+          <p:cNvPicPr>
+            <a:picLocks noChangeAspect="1"/>
+          </p:cNvPicPr>
+          <p:nvPr/>
+        </p:nvPicPr>
+        <p:blipFill>
+          <a:blip r:embed="rId4"/>
+          <a:stretch>
+            <a:fillRect/>
+          </a:stretch>
+        </p:blipFill>
+        <p:spPr>
+          <a:xfrm>
+            <a:off x="7402250" y="6120170"/>
+            <a:ext cx="3882725" cy="5014569"/>
+          </a:xfrm>
+          <a:prstGeom prst="rect">
+            <a:avLst/>
+          </a:prstGeom>
+        </p:spPr>
+      </p:pic>
+      <p:sp>
+        <p:nvSpPr>
+          <p:cNvPr id="15" name="TextBox 14"/>
           <p:cNvSpPr txBox="1"/>
           <p:nvPr/>
         </p:nvSpPr>
         <p:spPr>
           <a:xfrm>
-            <a:off x="13370539" y="8410102"/>
+            <a:off x="7679862" y="8410102"/>
             <a:ext cx="3327410" cy="1904969"/>
           </a:xfrm>
           <a:prstGeom prst="rect">
@@ -3548,7 +3620,7 @@
                 </a:solidFill>
                 <a:latin typeface="Quicksand (TT)"/>
               </a:rPr>
-              <a:t>VIX oversold exposure:</a:t>
+              <a:t>Volume thrust exposure:</a:t>
             </a:r>
           </a:p>
           <a:p>
@@ -3560,7 +3632,7 @@
                 </a:solidFill>
                 <a:latin typeface="Quicksand (TT)"/>
               </a:rPr>
-              <a:t>Invested 4% </a:t>
+              <a:t>Invested 43% </a:t>
             </a:r>
           </a:p>
           <a:p>
@@ -3579,13 +3651,13 @@
       </p:sp>
       <p:sp>
         <p:nvSpPr>
-          <p:cNvPr id="13" name="TextBox 12"/>
+          <p:cNvPr id="16" name="TextBox 15"/>
           <p:cNvSpPr txBox="1"/>
           <p:nvPr/>
         </p:nvSpPr>
         <p:spPr>
           <a:xfrm>
-            <a:off x="13562746" y="6345936"/>
+            <a:off x="7872161" y="6345936"/>
             <a:ext cx="2942813" cy="381030"/>
           </a:xfrm>
           <a:prstGeom prst="rect">
@@ -3614,13 +3686,13 @@
       </p:sp>
       <p:sp>
         <p:nvSpPr>
-          <p:cNvPr id="14" name="Rounded Rectangle 13"/>
+          <p:cNvPr id="17" name="Rounded Rectangle 16"/>
           <p:cNvSpPr/>
           <p:nvPr/>
         </p:nvSpPr>
         <p:spPr>
           <a:xfrm>
-            <a:off x="13118439" y="6120170"/>
+            <a:off x="7427854" y="6120170"/>
             <a:ext cx="3831427" cy="922538"/>
           </a:xfrm>
           <a:prstGeom prst="roundRect">
@@ -3657,13 +3729,13 @@
       </p:sp>
       <p:sp>
         <p:nvSpPr>
-          <p:cNvPr id="15" name="Rounded Rectangle 14"/>
+          <p:cNvPr id="18" name="Rounded Rectangle 17"/>
           <p:cNvSpPr/>
           <p:nvPr/>
         </p:nvSpPr>
         <p:spPr>
           <a:xfrm>
-            <a:off x="13092836" y="7590342"/>
+            <a:off x="7402250" y="7590342"/>
             <a:ext cx="3882725" cy="3544397"/>
           </a:xfrm>
           <a:prstGeom prst="roundRect">
@@ -3698,15 +3770,39 @@
           </a:p>
         </p:txBody>
       </p:sp>
-      <p:sp>
-        <p:nvSpPr>
-          <p:cNvPr id="16" name="TextBox 15"/>
+      <p:pic>
+        <p:nvPicPr>
+          <p:cNvPr id="19" name="Picture 18" descr="s09_e07.png"/>
+          <p:cNvPicPr>
+            <a:picLocks noChangeAspect="1"/>
+          </p:cNvPicPr>
+          <p:nvPr/>
+        </p:nvPicPr>
+        <p:blipFill>
+          <a:blip r:embed="rId5"/>
+          <a:stretch>
+            <a:fillRect/>
+          </a:stretch>
+        </p:blipFill>
+        <p:spPr>
+          <a:xfrm>
+            <a:off x="1711573" y="6120170"/>
+            <a:ext cx="3882725" cy="5014569"/>
+          </a:xfrm>
+          <a:prstGeom prst="rect">
+            <a:avLst/>
+          </a:prstGeom>
+        </p:spPr>
+      </p:pic>
+      <p:sp>
+        <p:nvSpPr>
+          <p:cNvPr id="20" name="TextBox 19"/>
           <p:cNvSpPr txBox="1"/>
           <p:nvPr/>
         </p:nvSpPr>
         <p:spPr>
           <a:xfrm>
-            <a:off x="13370539" y="8410102"/>
+            <a:off x="1989277" y="8410102"/>
             <a:ext cx="3327410" cy="1904969"/>
           </a:xfrm>
           <a:prstGeom prst="rect">
@@ -3728,7 +3824,7 @@
                 </a:solidFill>
                 <a:latin typeface="Quicksand (TT)"/>
               </a:rPr>
-              <a:t>VIX oversold exposure:</a:t>
+              <a:t>Long-term trend exposure:</a:t>
             </a:r>
           </a:p>
           <a:p>
@@ -3740,7 +3836,7 @@
                 </a:solidFill>
                 <a:latin typeface="Quicksand (TT)"/>
               </a:rPr>
-              <a:t>Invested 4% </a:t>
+              <a:t>Invested 71% </a:t>
             </a:r>
           </a:p>
           <a:p>
@@ -3759,14 +3855,14 @@
       </p:sp>
       <p:sp>
         <p:nvSpPr>
-          <p:cNvPr id="17" name="TextBox 16"/>
+          <p:cNvPr id="21" name="TextBox 20"/>
           <p:cNvSpPr txBox="1"/>
           <p:nvPr/>
         </p:nvSpPr>
         <p:spPr>
           <a:xfrm>
-            <a:off x="13562746" y="6345936"/>
-            <a:ext cx="2942813" cy="381030"/>
+            <a:off x="2317729" y="6345936"/>
+            <a:ext cx="2670413" cy="381030"/>
           </a:xfrm>
           <a:prstGeom prst="rect">
             <a:avLst/>
@@ -3787,20 +3883,20 @@
                 </a:solidFill>
                 <a:latin typeface="Quicksand (TT)"/>
               </a:rPr>
-              <a:t>Trigger</a:t>
-            </a:r>
-          </a:p>
-        </p:txBody>
-      </p:sp>
-      <p:sp>
-        <p:nvSpPr>
-          <p:cNvPr id="18" name="Rounded Rectangle 17"/>
+              <a:t>Base</a:t>
+            </a:r>
+          </a:p>
+        </p:txBody>
+      </p:sp>
+      <p:sp>
+        <p:nvSpPr>
+          <p:cNvPr id="22" name="Rounded Rectangle 21"/>
           <p:cNvSpPr/>
           <p:nvPr/>
         </p:nvSpPr>
         <p:spPr>
           <a:xfrm>
-            <a:off x="13118439" y="6120170"/>
+            <a:off x="1737268" y="6120170"/>
             <a:ext cx="3831427" cy="922538"/>
           </a:xfrm>
           <a:prstGeom prst="roundRect">
@@ -3837,13 +3933,13 @@
       </p:sp>
       <p:sp>
         <p:nvSpPr>
-          <p:cNvPr id="19" name="Rounded Rectangle 18"/>
+          <p:cNvPr id="23" name="Rounded Rectangle 22"/>
           <p:cNvSpPr/>
           <p:nvPr/>
         </p:nvSpPr>
         <p:spPr>
           <a:xfrm>
-            <a:off x="13092836" y="7590342"/>
+            <a:off x="1711573" y="7590342"/>
             <a:ext cx="3882725" cy="3544397"/>
           </a:xfrm>
           <a:prstGeom prst="roundRect">
@@ -3880,727 +3976,7 @@
       </p:sp>
       <p:sp>
         <p:nvSpPr>
-          <p:cNvPr id="20" name="TextBox 19"/>
-          <p:cNvSpPr txBox="1"/>
-          <p:nvPr/>
-        </p:nvSpPr>
-        <p:spPr>
-          <a:xfrm>
-            <a:off x="7679862" y="8410102"/>
-            <a:ext cx="3327410" cy="1904969"/>
-          </a:xfrm>
-          <a:prstGeom prst="rect">
-            <a:avLst/>
-          </a:prstGeom>
-          <a:noFill/>
-        </p:spPr>
-        <p:txBody>
-          <a:bodyPr wrap="square">
-            <a:spAutoFit/>
-          </a:bodyPr>
-          <a:lstStyle/>
-          <a:p>
-            <a:pPr algn="ctr"/>
-            <a:r>
-              <a:rPr sz="2600" b="0" i="0">
-                <a:solidFill>
-                  <a:srgbClr val="FFFFFF"/>
-                </a:solidFill>
-                <a:latin typeface="Quicksand (TT)"/>
-              </a:rPr>
-              <a:t>Volume thrust exposure:</a:t>
-            </a:r>
-          </a:p>
-          <a:p>
-            <a:pPr algn="ctr"/>
-            <a:r>
-              <a:rPr sz="2600" b="1" i="0">
-                <a:solidFill>
-                  <a:srgbClr val="FFFFFF"/>
-                </a:solidFill>
-                <a:latin typeface="Quicksand (TT)"/>
-              </a:rPr>
-              <a:t>Invested 43% </a:t>
-            </a:r>
-          </a:p>
-          <a:p>
-            <a:pPr algn="ctr"/>
-            <a:r>
-              <a:rPr sz="2600" b="0" i="0">
-                <a:solidFill>
-                  <a:srgbClr val="FFFFFF"/>
-                </a:solidFill>
-                <a:latin typeface="Quicksand (TT)"/>
-              </a:rPr>
-              <a:t>of the time</a:t>
-            </a:r>
-          </a:p>
-        </p:txBody>
-      </p:sp>
-      <p:sp>
-        <p:nvSpPr>
-          <p:cNvPr id="21" name="TextBox 20"/>
-          <p:cNvSpPr txBox="1"/>
-          <p:nvPr/>
-        </p:nvSpPr>
-        <p:spPr>
-          <a:xfrm>
-            <a:off x="7872161" y="6345936"/>
-            <a:ext cx="2942813" cy="381030"/>
-          </a:xfrm>
-          <a:prstGeom prst="rect">
-            <a:avLst/>
-          </a:prstGeom>
-          <a:noFill/>
-        </p:spPr>
-        <p:txBody>
-          <a:bodyPr wrap="square">
-            <a:spAutoFit/>
-          </a:bodyPr>
-          <a:lstStyle/>
-          <a:p>
-            <a:pPr algn="ctr"/>
-            <a:r>
-              <a:rPr sz="3000" b="0" i="0">
-                <a:solidFill>
-                  <a:srgbClr val="212121"/>
-                </a:solidFill>
-                <a:latin typeface="Quicksand (TT)"/>
-              </a:rPr>
-              <a:t>Trigger</a:t>
-            </a:r>
-          </a:p>
-        </p:txBody>
-      </p:sp>
-      <p:sp>
-        <p:nvSpPr>
-          <p:cNvPr id="22" name="Rounded Rectangle 21"/>
-          <p:cNvSpPr/>
-          <p:nvPr/>
-        </p:nvSpPr>
-        <p:spPr>
-          <a:xfrm>
-            <a:off x="7427854" y="6120170"/>
-            <a:ext cx="3831427" cy="922538"/>
-          </a:xfrm>
-          <a:prstGeom prst="roundRect">
-            <a:avLst/>
-          </a:prstGeom>
-          <a:solidFill>
-            <a:srgbClr val="D6E0DE"/>
-          </a:solidFill>
-          <a:ln>
-            <a:noFill/>
-          </a:ln>
-        </p:spPr>
-        <p:style>
-          <a:lnRef idx="1">
-            <a:schemeClr val="accent1"/>
-          </a:lnRef>
-          <a:fillRef idx="3">
-            <a:schemeClr val="accent1"/>
-          </a:fillRef>
-          <a:effectRef idx="2">
-            <a:schemeClr val="accent1"/>
-          </a:effectRef>
-          <a:fontRef idx="minor">
-            <a:schemeClr val="lt1"/>
-          </a:fontRef>
-        </p:style>
-        <p:txBody>
-          <a:bodyPr rtlCol="0" anchor="ctr"/>
-          <a:lstStyle/>
-          <a:p>
-            <a:pPr algn="ctr"/>
-          </a:p>
-        </p:txBody>
-      </p:sp>
-      <p:sp>
-        <p:nvSpPr>
-          <p:cNvPr id="23" name="Rounded Rectangle 22"/>
-          <p:cNvSpPr/>
-          <p:nvPr/>
-        </p:nvSpPr>
-        <p:spPr>
-          <a:xfrm>
-            <a:off x="7402250" y="7590342"/>
-            <a:ext cx="3882725" cy="3544397"/>
-          </a:xfrm>
-          <a:prstGeom prst="roundRect">
-            <a:avLst/>
-          </a:prstGeom>
-          <a:solidFill>
-            <a:srgbClr val="D6E0DE"/>
-          </a:solidFill>
-          <a:ln>
-            <a:noFill/>
-          </a:ln>
-        </p:spPr>
-        <p:style>
-          <a:lnRef idx="1">
-            <a:schemeClr val="accent1"/>
-          </a:lnRef>
-          <a:fillRef idx="3">
-            <a:schemeClr val="accent1"/>
-          </a:fillRef>
-          <a:effectRef idx="2">
-            <a:schemeClr val="accent1"/>
-          </a:effectRef>
-          <a:fontRef idx="minor">
-            <a:schemeClr val="lt1"/>
-          </a:fontRef>
-        </p:style>
-        <p:txBody>
-          <a:bodyPr rtlCol="0" anchor="ctr"/>
-          <a:lstStyle/>
-          <a:p>
-            <a:pPr algn="ctr"/>
-          </a:p>
-        </p:txBody>
-      </p:sp>
-      <p:sp>
-        <p:nvSpPr>
           <p:cNvPr id="24" name="TextBox 23"/>
-          <p:cNvSpPr txBox="1"/>
-          <p:nvPr/>
-        </p:nvSpPr>
-        <p:spPr>
-          <a:xfrm>
-            <a:off x="7679862" y="8410102"/>
-            <a:ext cx="3327410" cy="1904969"/>
-          </a:xfrm>
-          <a:prstGeom prst="rect">
-            <a:avLst/>
-          </a:prstGeom>
-          <a:noFill/>
-        </p:spPr>
-        <p:txBody>
-          <a:bodyPr wrap="square">
-            <a:spAutoFit/>
-          </a:bodyPr>
-          <a:lstStyle/>
-          <a:p>
-            <a:pPr algn="ctr"/>
-            <a:r>
-              <a:rPr sz="2600" b="0" i="0">
-                <a:solidFill>
-                  <a:srgbClr val="FFFFFF"/>
-                </a:solidFill>
-                <a:latin typeface="Quicksand (TT)"/>
-              </a:rPr>
-              <a:t>Volume thrust exposure:</a:t>
-            </a:r>
-          </a:p>
-          <a:p>
-            <a:pPr algn="ctr"/>
-            <a:r>
-              <a:rPr sz="2600" b="1" i="0">
-                <a:solidFill>
-                  <a:srgbClr val="FFFFFF"/>
-                </a:solidFill>
-                <a:latin typeface="Quicksand (TT)"/>
-              </a:rPr>
-              <a:t>Invested 43% </a:t>
-            </a:r>
-          </a:p>
-          <a:p>
-            <a:pPr algn="ctr"/>
-            <a:r>
-              <a:rPr sz="2600" b="0" i="0">
-                <a:solidFill>
-                  <a:srgbClr val="FFFFFF"/>
-                </a:solidFill>
-                <a:latin typeface="Quicksand (TT)"/>
-              </a:rPr>
-              <a:t>of the time</a:t>
-            </a:r>
-          </a:p>
-        </p:txBody>
-      </p:sp>
-      <p:sp>
-        <p:nvSpPr>
-          <p:cNvPr id="25" name="TextBox 24"/>
-          <p:cNvSpPr txBox="1"/>
-          <p:nvPr/>
-        </p:nvSpPr>
-        <p:spPr>
-          <a:xfrm>
-            <a:off x="7872161" y="6345936"/>
-            <a:ext cx="2942813" cy="381030"/>
-          </a:xfrm>
-          <a:prstGeom prst="rect">
-            <a:avLst/>
-          </a:prstGeom>
-          <a:noFill/>
-        </p:spPr>
-        <p:txBody>
-          <a:bodyPr wrap="square">
-            <a:spAutoFit/>
-          </a:bodyPr>
-          <a:lstStyle/>
-          <a:p>
-            <a:pPr algn="ctr"/>
-            <a:r>
-              <a:rPr sz="3000" b="0" i="0">
-                <a:solidFill>
-                  <a:srgbClr val="212121"/>
-                </a:solidFill>
-                <a:latin typeface="Quicksand (TT)"/>
-              </a:rPr>
-              <a:t>Trigger</a:t>
-            </a:r>
-          </a:p>
-        </p:txBody>
-      </p:sp>
-      <p:sp>
-        <p:nvSpPr>
-          <p:cNvPr id="26" name="Rounded Rectangle 25"/>
-          <p:cNvSpPr/>
-          <p:nvPr/>
-        </p:nvSpPr>
-        <p:spPr>
-          <a:xfrm>
-            <a:off x="7427854" y="6120170"/>
-            <a:ext cx="3831427" cy="922538"/>
-          </a:xfrm>
-          <a:prstGeom prst="roundRect">
-            <a:avLst/>
-          </a:prstGeom>
-          <a:solidFill>
-            <a:srgbClr val="D6E0DE"/>
-          </a:solidFill>
-          <a:ln>
-            <a:noFill/>
-          </a:ln>
-        </p:spPr>
-        <p:style>
-          <a:lnRef idx="1">
-            <a:schemeClr val="accent1"/>
-          </a:lnRef>
-          <a:fillRef idx="3">
-            <a:schemeClr val="accent1"/>
-          </a:fillRef>
-          <a:effectRef idx="2">
-            <a:schemeClr val="accent1"/>
-          </a:effectRef>
-          <a:fontRef idx="minor">
-            <a:schemeClr val="lt1"/>
-          </a:fontRef>
-        </p:style>
-        <p:txBody>
-          <a:bodyPr rtlCol="0" anchor="ctr"/>
-          <a:lstStyle/>
-          <a:p>
-            <a:pPr algn="ctr"/>
-          </a:p>
-        </p:txBody>
-      </p:sp>
-      <p:sp>
-        <p:nvSpPr>
-          <p:cNvPr id="27" name="Rounded Rectangle 26"/>
-          <p:cNvSpPr/>
-          <p:nvPr/>
-        </p:nvSpPr>
-        <p:spPr>
-          <a:xfrm>
-            <a:off x="7402250" y="7590342"/>
-            <a:ext cx="3882725" cy="3544397"/>
-          </a:xfrm>
-          <a:prstGeom prst="roundRect">
-            <a:avLst/>
-          </a:prstGeom>
-          <a:solidFill>
-            <a:srgbClr val="D6E0DE"/>
-          </a:solidFill>
-          <a:ln>
-            <a:noFill/>
-          </a:ln>
-        </p:spPr>
-        <p:style>
-          <a:lnRef idx="1">
-            <a:schemeClr val="accent1"/>
-          </a:lnRef>
-          <a:fillRef idx="3">
-            <a:schemeClr val="accent1"/>
-          </a:fillRef>
-          <a:effectRef idx="2">
-            <a:schemeClr val="accent1"/>
-          </a:effectRef>
-          <a:fontRef idx="minor">
-            <a:schemeClr val="lt1"/>
-          </a:fontRef>
-        </p:style>
-        <p:txBody>
-          <a:bodyPr rtlCol="0" anchor="ctr"/>
-          <a:lstStyle/>
-          <a:p>
-            <a:pPr algn="ctr"/>
-          </a:p>
-        </p:txBody>
-      </p:sp>
-      <p:sp>
-        <p:nvSpPr>
-          <p:cNvPr id="28" name="TextBox 27"/>
-          <p:cNvSpPr txBox="1"/>
-          <p:nvPr/>
-        </p:nvSpPr>
-        <p:spPr>
-          <a:xfrm>
-            <a:off x="1989277" y="8410102"/>
-            <a:ext cx="3327410" cy="1904969"/>
-          </a:xfrm>
-          <a:prstGeom prst="rect">
-            <a:avLst/>
-          </a:prstGeom>
-          <a:noFill/>
-        </p:spPr>
-        <p:txBody>
-          <a:bodyPr wrap="square">
-            <a:spAutoFit/>
-          </a:bodyPr>
-          <a:lstStyle/>
-          <a:p>
-            <a:pPr algn="ctr"/>
-            <a:r>
-              <a:rPr sz="2600" b="0" i="0">
-                <a:solidFill>
-                  <a:srgbClr val="FFFFFF"/>
-                </a:solidFill>
-                <a:latin typeface="Quicksand (TT)"/>
-              </a:rPr>
-              <a:t>Long-term trend exposure:</a:t>
-            </a:r>
-          </a:p>
-          <a:p>
-            <a:pPr algn="ctr"/>
-            <a:r>
-              <a:rPr sz="2600" b="1" i="0">
-                <a:solidFill>
-                  <a:srgbClr val="FFFFFF"/>
-                </a:solidFill>
-                <a:latin typeface="Quicksand (TT)"/>
-              </a:rPr>
-              <a:t>Invested 71% </a:t>
-            </a:r>
-          </a:p>
-          <a:p>
-            <a:pPr algn="ctr"/>
-            <a:r>
-              <a:rPr sz="2600" b="0" i="0">
-                <a:solidFill>
-                  <a:srgbClr val="FFFFFF"/>
-                </a:solidFill>
-                <a:latin typeface="Quicksand (TT)"/>
-              </a:rPr>
-              <a:t>of the time</a:t>
-            </a:r>
-          </a:p>
-        </p:txBody>
-      </p:sp>
-      <p:sp>
-        <p:nvSpPr>
-          <p:cNvPr id="29" name="TextBox 28"/>
-          <p:cNvSpPr txBox="1"/>
-          <p:nvPr/>
-        </p:nvSpPr>
-        <p:spPr>
-          <a:xfrm>
-            <a:off x="2317729" y="6345936"/>
-            <a:ext cx="2670413" cy="381030"/>
-          </a:xfrm>
-          <a:prstGeom prst="rect">
-            <a:avLst/>
-          </a:prstGeom>
-          <a:noFill/>
-        </p:spPr>
-        <p:txBody>
-          <a:bodyPr wrap="square">
-            <a:spAutoFit/>
-          </a:bodyPr>
-          <a:lstStyle/>
-          <a:p>
-            <a:pPr algn="ctr"/>
-            <a:r>
-              <a:rPr sz="3000" b="0" i="0">
-                <a:solidFill>
-                  <a:srgbClr val="212121"/>
-                </a:solidFill>
-                <a:latin typeface="Quicksand (TT)"/>
-              </a:rPr>
-              <a:t>Base</a:t>
-            </a:r>
-          </a:p>
-        </p:txBody>
-      </p:sp>
-      <p:sp>
-        <p:nvSpPr>
-          <p:cNvPr id="30" name="Rounded Rectangle 29"/>
-          <p:cNvSpPr/>
-          <p:nvPr/>
-        </p:nvSpPr>
-        <p:spPr>
-          <a:xfrm>
-            <a:off x="1737268" y="6120170"/>
-            <a:ext cx="3831427" cy="922538"/>
-          </a:xfrm>
-          <a:prstGeom prst="roundRect">
-            <a:avLst/>
-          </a:prstGeom>
-          <a:solidFill>
-            <a:srgbClr val="D6E0DE"/>
-          </a:solidFill>
-          <a:ln>
-            <a:noFill/>
-          </a:ln>
-        </p:spPr>
-        <p:style>
-          <a:lnRef idx="1">
-            <a:schemeClr val="accent1"/>
-          </a:lnRef>
-          <a:fillRef idx="3">
-            <a:schemeClr val="accent1"/>
-          </a:fillRef>
-          <a:effectRef idx="2">
-            <a:schemeClr val="accent1"/>
-          </a:effectRef>
-          <a:fontRef idx="minor">
-            <a:schemeClr val="lt1"/>
-          </a:fontRef>
-        </p:style>
-        <p:txBody>
-          <a:bodyPr rtlCol="0" anchor="ctr"/>
-          <a:lstStyle/>
-          <a:p>
-            <a:pPr algn="ctr"/>
-          </a:p>
-        </p:txBody>
-      </p:sp>
-      <p:sp>
-        <p:nvSpPr>
-          <p:cNvPr id="31" name="Rounded Rectangle 30"/>
-          <p:cNvSpPr/>
-          <p:nvPr/>
-        </p:nvSpPr>
-        <p:spPr>
-          <a:xfrm>
-            <a:off x="1711573" y="7590342"/>
-            <a:ext cx="3882725" cy="3544397"/>
-          </a:xfrm>
-          <a:prstGeom prst="roundRect">
-            <a:avLst/>
-          </a:prstGeom>
-          <a:solidFill>
-            <a:srgbClr val="D6E0DE"/>
-          </a:solidFill>
-          <a:ln>
-            <a:noFill/>
-          </a:ln>
-        </p:spPr>
-        <p:style>
-          <a:lnRef idx="1">
-            <a:schemeClr val="accent1"/>
-          </a:lnRef>
-          <a:fillRef idx="3">
-            <a:schemeClr val="accent1"/>
-          </a:fillRef>
-          <a:effectRef idx="2">
-            <a:schemeClr val="accent1"/>
-          </a:effectRef>
-          <a:fontRef idx="minor">
-            <a:schemeClr val="lt1"/>
-          </a:fontRef>
-        </p:style>
-        <p:txBody>
-          <a:bodyPr rtlCol="0" anchor="ctr"/>
-          <a:lstStyle/>
-          <a:p>
-            <a:pPr algn="ctr"/>
-          </a:p>
-        </p:txBody>
-      </p:sp>
-      <p:sp>
-        <p:nvSpPr>
-          <p:cNvPr id="32" name="TextBox 31"/>
-          <p:cNvSpPr txBox="1"/>
-          <p:nvPr/>
-        </p:nvSpPr>
-        <p:spPr>
-          <a:xfrm>
-            <a:off x="1989277" y="8410102"/>
-            <a:ext cx="3327410" cy="1904969"/>
-          </a:xfrm>
-          <a:prstGeom prst="rect">
-            <a:avLst/>
-          </a:prstGeom>
-          <a:noFill/>
-        </p:spPr>
-        <p:txBody>
-          <a:bodyPr wrap="square">
-            <a:spAutoFit/>
-          </a:bodyPr>
-          <a:lstStyle/>
-          <a:p>
-            <a:pPr algn="ctr"/>
-            <a:r>
-              <a:rPr sz="2600" b="0" i="0">
-                <a:solidFill>
-                  <a:srgbClr val="FFFFFF"/>
-                </a:solidFill>
-                <a:latin typeface="Quicksand (TT)"/>
-              </a:rPr>
-              <a:t>Long-term trend exposure:</a:t>
-            </a:r>
-          </a:p>
-          <a:p>
-            <a:pPr algn="ctr"/>
-            <a:r>
-              <a:rPr sz="2600" b="1" i="0">
-                <a:solidFill>
-                  <a:srgbClr val="FFFFFF"/>
-                </a:solidFill>
-                <a:latin typeface="Quicksand (TT)"/>
-              </a:rPr>
-              <a:t>Invested 71% </a:t>
-            </a:r>
-          </a:p>
-          <a:p>
-            <a:pPr algn="ctr"/>
-            <a:r>
-              <a:rPr sz="2600" b="0" i="0">
-                <a:solidFill>
-                  <a:srgbClr val="FFFFFF"/>
-                </a:solidFill>
-                <a:latin typeface="Quicksand (TT)"/>
-              </a:rPr>
-              <a:t>of the time</a:t>
-            </a:r>
-          </a:p>
-        </p:txBody>
-      </p:sp>
-      <p:sp>
-        <p:nvSpPr>
-          <p:cNvPr id="33" name="TextBox 32"/>
-          <p:cNvSpPr txBox="1"/>
-          <p:nvPr/>
-        </p:nvSpPr>
-        <p:spPr>
-          <a:xfrm>
-            <a:off x="2317729" y="6345936"/>
-            <a:ext cx="2670413" cy="381030"/>
-          </a:xfrm>
-          <a:prstGeom prst="rect">
-            <a:avLst/>
-          </a:prstGeom>
-          <a:noFill/>
-        </p:spPr>
-        <p:txBody>
-          <a:bodyPr wrap="square">
-            <a:spAutoFit/>
-          </a:bodyPr>
-          <a:lstStyle/>
-          <a:p>
-            <a:pPr algn="ctr"/>
-            <a:r>
-              <a:rPr sz="3000" b="0" i="0">
-                <a:solidFill>
-                  <a:srgbClr val="212121"/>
-                </a:solidFill>
-                <a:latin typeface="Quicksand (TT)"/>
-              </a:rPr>
-              <a:t>Base</a:t>
-            </a:r>
-          </a:p>
-        </p:txBody>
-      </p:sp>
-      <p:sp>
-        <p:nvSpPr>
-          <p:cNvPr id="34" name="Rounded Rectangle 33"/>
-          <p:cNvSpPr/>
-          <p:nvPr/>
-        </p:nvSpPr>
-        <p:spPr>
-          <a:xfrm>
-            <a:off x="1737268" y="6120170"/>
-            <a:ext cx="3831427" cy="922538"/>
-          </a:xfrm>
-          <a:prstGeom prst="roundRect">
-            <a:avLst/>
-          </a:prstGeom>
-          <a:solidFill>
-            <a:srgbClr val="D6E0DE"/>
-          </a:solidFill>
-          <a:ln>
-            <a:noFill/>
-          </a:ln>
-        </p:spPr>
-        <p:style>
-          <a:lnRef idx="1">
-            <a:schemeClr val="accent1"/>
-          </a:lnRef>
-          <a:fillRef idx="3">
-            <a:schemeClr val="accent1"/>
-          </a:fillRef>
-          <a:effectRef idx="2">
-            <a:schemeClr val="accent1"/>
-          </a:effectRef>
-          <a:fontRef idx="minor">
-            <a:schemeClr val="lt1"/>
-          </a:fontRef>
-        </p:style>
-        <p:txBody>
-          <a:bodyPr rtlCol="0" anchor="ctr"/>
-          <a:lstStyle/>
-          <a:p>
-            <a:pPr algn="ctr"/>
-          </a:p>
-        </p:txBody>
-      </p:sp>
-      <p:sp>
-        <p:nvSpPr>
-          <p:cNvPr id="35" name="Rounded Rectangle 34"/>
-          <p:cNvSpPr/>
-          <p:nvPr/>
-        </p:nvSpPr>
-        <p:spPr>
-          <a:xfrm>
-            <a:off x="1711573" y="7590342"/>
-            <a:ext cx="3882725" cy="3544397"/>
-          </a:xfrm>
-          <a:prstGeom prst="roundRect">
-            <a:avLst/>
-          </a:prstGeom>
-          <a:solidFill>
-            <a:srgbClr val="D6E0DE"/>
-          </a:solidFill>
-          <a:ln>
-            <a:noFill/>
-          </a:ln>
-        </p:spPr>
-        <p:style>
-          <a:lnRef idx="1">
-            <a:schemeClr val="accent1"/>
-          </a:lnRef>
-          <a:fillRef idx="3">
-            <a:schemeClr val="accent1"/>
-          </a:fillRef>
-          <a:effectRef idx="2">
-            <a:schemeClr val="accent1"/>
-          </a:effectRef>
-          <a:fontRef idx="minor">
-            <a:schemeClr val="lt1"/>
-          </a:fontRef>
-        </p:style>
-        <p:txBody>
-          <a:bodyPr rtlCol="0" anchor="ctr"/>
-          <a:lstStyle/>
-          <a:p>
-            <a:pPr algn="ctr"/>
-          </a:p>
-        </p:txBody>
-      </p:sp>
-      <p:sp>
-        <p:nvSpPr>
-          <p:cNvPr id="36" name="TextBox 35"/>
           <p:cNvSpPr txBox="1"/>
           <p:nvPr/>
         </p:nvSpPr>
@@ -4635,7 +4011,7 @@
       </p:sp>
       <p:sp>
         <p:nvSpPr>
-          <p:cNvPr id="37" name="TextBox 36"/>
+          <p:cNvPr id="25" name="TextBox 24"/>
           <p:cNvSpPr txBox="1"/>
           <p:nvPr/>
         </p:nvSpPr>
@@ -4670,7 +4046,7 @@
       </p:sp>
       <p:sp>
         <p:nvSpPr>
-          <p:cNvPr id="38" name="TextBox 37"/>
+          <p:cNvPr id="26" name="TextBox 25"/>
           <p:cNvSpPr txBox="1"/>
           <p:nvPr/>
         </p:nvSpPr>
@@ -4705,7 +4081,7 @@
       </p:sp>
       <p:sp>
         <p:nvSpPr>
-          <p:cNvPr id="39" name="TextBox 38"/>
+          <p:cNvPr id="27" name="TextBox 26"/>
           <p:cNvSpPr txBox="1"/>
           <p:nvPr/>
         </p:nvSpPr>
@@ -4740,7 +4116,7 @@
       </p:sp>
       <p:sp>
         <p:nvSpPr>
-          <p:cNvPr id="40" name="TextBox 39"/>
+          <p:cNvPr id="28" name="TextBox 27"/>
           <p:cNvSpPr txBox="1"/>
           <p:nvPr/>
         </p:nvSpPr>
